--- a/contents/Ch13_14.pptx
+++ b/contents/Ch13_14.pptx
@@ -5,15 +5,17 @@
     <p:sldMasterId id="2147483648" r:id="rId1"/>
   </p:sldMasterIdLst>
   <p:notesMasterIdLst>
-    <p:notesMasterId r:id="rId8"/>
+    <p:notesMasterId r:id="rId10"/>
   </p:notesMasterIdLst>
   <p:sldIdLst>
     <p:sldId id="256" r:id="rId2"/>
     <p:sldId id="360" r:id="rId3"/>
     <p:sldId id="355" r:id="rId4"/>
     <p:sldId id="361" r:id="rId5"/>
-    <p:sldId id="356" r:id="rId6"/>
-    <p:sldId id="350" r:id="rId7"/>
+    <p:sldId id="362" r:id="rId6"/>
+    <p:sldId id="363" r:id="rId7"/>
+    <p:sldId id="356" r:id="rId8"/>
+    <p:sldId id="350" r:id="rId9"/>
   </p:sldIdLst>
   <p:sldSz cx="12192000" cy="6858000"/>
   <p:notesSz cx="6858000" cy="9144000"/>
@@ -202,7 +204,7 @@
           <a:p>
             <a:fld id="{0B62C143-31C1-45EA-B896-287C22D0B410}" type="datetimeFigureOut">
               <a:rPr lang="ko-KR" altLang="en-US" smtClean="0"/>
-              <a:t>2024-06-03</a:t>
+              <a:t>2024-06-10</a:t>
             </a:fld>
             <a:endParaRPr lang="ko-KR" altLang="en-US"/>
           </a:p>
@@ -795,7 +797,7 @@
     </p:spTree>
     <p:extLst>
       <p:ext uri="{BB962C8B-B14F-4D97-AF65-F5344CB8AC3E}">
-        <p14:creationId xmlns:p14="http://schemas.microsoft.com/office/powerpoint/2010/main" val="3557730345"/>
+        <p14:creationId xmlns:p14="http://schemas.microsoft.com/office/powerpoint/2010/main" val="4064057165"/>
       </p:ext>
     </p:extLst>
   </p:cSld>
@@ -849,18 +851,7 @@
           <a:bodyPr/>
           <a:lstStyle/>
           <a:p>
-            <a:r>
-              <a:rPr lang="ko-KR" altLang="en-US" dirty="0"/>
-              <a:t>화면 회전할 때의 </a:t>
-            </a:r>
-            <a:r>
-              <a:rPr lang="en-US" altLang="ko-KR" dirty="0"/>
-              <a:t>activity </a:t>
-            </a:r>
-            <a:r>
-              <a:rPr lang="ko-KR" altLang="en-US" dirty="0"/>
-              <a:t>로그 확인</a:t>
-            </a:r>
+            <a:endParaRPr lang="ko-KR" altLang="en-US" dirty="0"/>
           </a:p>
         </p:txBody>
       </p:sp>
@@ -882,6 +873,185 @@
             <a:fld id="{A6631257-9CB7-478D-B00C-4FEF064183D7}" type="slidenum">
               <a:rPr lang="ko-KR" altLang="en-US" smtClean="0"/>
               <a:t>6</a:t>
+            </a:fld>
+            <a:endParaRPr lang="ko-KR" altLang="en-US"/>
+          </a:p>
+        </p:txBody>
+      </p:sp>
+    </p:spTree>
+    <p:extLst>
+      <p:ext uri="{BB962C8B-B14F-4D97-AF65-F5344CB8AC3E}">
+        <p14:creationId xmlns:p14="http://schemas.microsoft.com/office/powerpoint/2010/main" val="1050614424"/>
+      </p:ext>
+    </p:extLst>
+  </p:cSld>
+  <p:clrMapOvr>
+    <a:masterClrMapping/>
+  </p:clrMapOvr>
+</p:notes>
+</file>
+
+<file path=ppt/notesSlides/notesSlide6.xml><?xml version="1.0" encoding="utf-8"?>
+<p:notes xmlns:a="http://schemas.openxmlformats.org/drawingml/2006/main" xmlns:r="http://schemas.openxmlformats.org/officeDocument/2006/relationships" xmlns:p="http://schemas.openxmlformats.org/presentationml/2006/main">
+  <p:cSld>
+    <p:spTree>
+      <p:nvGrpSpPr>
+        <p:cNvPr id="1" name=""/>
+        <p:cNvGrpSpPr/>
+        <p:nvPr/>
+      </p:nvGrpSpPr>
+      <p:grpSpPr>
+        <a:xfrm>
+          <a:off x="0" y="0"/>
+          <a:ext cx="0" cy="0"/>
+          <a:chOff x="0" y="0"/>
+          <a:chExt cx="0" cy="0"/>
+        </a:xfrm>
+      </p:grpSpPr>
+      <p:sp>
+        <p:nvSpPr>
+          <p:cNvPr id="2" name="슬라이드 이미지 개체 틀 1"/>
+          <p:cNvSpPr>
+            <a:spLocks noGrp="1" noRot="1" noChangeAspect="1"/>
+          </p:cNvSpPr>
+          <p:nvPr>
+            <p:ph type="sldImg"/>
+          </p:nvPr>
+        </p:nvSpPr>
+        <p:spPr/>
+      </p:sp>
+      <p:sp>
+        <p:nvSpPr>
+          <p:cNvPr id="3" name="슬라이드 노트 개체 틀 2"/>
+          <p:cNvSpPr>
+            <a:spLocks noGrp="1"/>
+          </p:cNvSpPr>
+          <p:nvPr>
+            <p:ph type="body" idx="1"/>
+          </p:nvPr>
+        </p:nvSpPr>
+        <p:spPr/>
+        <p:txBody>
+          <a:bodyPr/>
+          <a:lstStyle/>
+          <a:p>
+            <a:endParaRPr lang="ko-KR" altLang="en-US" dirty="0"/>
+          </a:p>
+        </p:txBody>
+      </p:sp>
+      <p:sp>
+        <p:nvSpPr>
+          <p:cNvPr id="4" name="슬라이드 번호 개체 틀 3"/>
+          <p:cNvSpPr>
+            <a:spLocks noGrp="1"/>
+          </p:cNvSpPr>
+          <p:nvPr>
+            <p:ph type="sldNum" sz="quarter" idx="5"/>
+          </p:nvPr>
+        </p:nvSpPr>
+        <p:spPr/>
+        <p:txBody>
+          <a:bodyPr/>
+          <a:lstStyle/>
+          <a:p>
+            <a:fld id="{A6631257-9CB7-478D-B00C-4FEF064183D7}" type="slidenum">
+              <a:rPr lang="ko-KR" altLang="en-US" smtClean="0"/>
+              <a:t>7</a:t>
+            </a:fld>
+            <a:endParaRPr lang="ko-KR" altLang="en-US"/>
+          </a:p>
+        </p:txBody>
+      </p:sp>
+    </p:spTree>
+    <p:extLst>
+      <p:ext uri="{BB962C8B-B14F-4D97-AF65-F5344CB8AC3E}">
+        <p14:creationId xmlns:p14="http://schemas.microsoft.com/office/powerpoint/2010/main" val="3557730345"/>
+      </p:ext>
+    </p:extLst>
+  </p:cSld>
+  <p:clrMapOvr>
+    <a:masterClrMapping/>
+  </p:clrMapOvr>
+</p:notes>
+</file>
+
+<file path=ppt/notesSlides/notesSlide7.xml><?xml version="1.0" encoding="utf-8"?>
+<p:notes xmlns:a="http://schemas.openxmlformats.org/drawingml/2006/main" xmlns:r="http://schemas.openxmlformats.org/officeDocument/2006/relationships" xmlns:p="http://schemas.openxmlformats.org/presentationml/2006/main">
+  <p:cSld>
+    <p:spTree>
+      <p:nvGrpSpPr>
+        <p:cNvPr id="1" name=""/>
+        <p:cNvGrpSpPr/>
+        <p:nvPr/>
+      </p:nvGrpSpPr>
+      <p:grpSpPr>
+        <a:xfrm>
+          <a:off x="0" y="0"/>
+          <a:ext cx="0" cy="0"/>
+          <a:chOff x="0" y="0"/>
+          <a:chExt cx="0" cy="0"/>
+        </a:xfrm>
+      </p:grpSpPr>
+      <p:sp>
+        <p:nvSpPr>
+          <p:cNvPr id="2" name="슬라이드 이미지 개체 틀 1"/>
+          <p:cNvSpPr>
+            <a:spLocks noGrp="1" noRot="1" noChangeAspect="1"/>
+          </p:cNvSpPr>
+          <p:nvPr>
+            <p:ph type="sldImg"/>
+          </p:nvPr>
+        </p:nvSpPr>
+        <p:spPr/>
+      </p:sp>
+      <p:sp>
+        <p:nvSpPr>
+          <p:cNvPr id="3" name="슬라이드 노트 개체 틀 2"/>
+          <p:cNvSpPr>
+            <a:spLocks noGrp="1"/>
+          </p:cNvSpPr>
+          <p:nvPr>
+            <p:ph type="body" idx="1"/>
+          </p:nvPr>
+        </p:nvSpPr>
+        <p:spPr/>
+        <p:txBody>
+          <a:bodyPr/>
+          <a:lstStyle/>
+          <a:p>
+            <a:r>
+              <a:rPr lang="ko-KR" altLang="en-US" dirty="0"/>
+              <a:t>화면 회전할 때의 </a:t>
+            </a:r>
+            <a:r>
+              <a:rPr lang="en-US" altLang="ko-KR" dirty="0"/>
+              <a:t>activity </a:t>
+            </a:r>
+            <a:r>
+              <a:rPr lang="ko-KR" altLang="en-US" dirty="0"/>
+              <a:t>로그 확인</a:t>
+            </a:r>
+          </a:p>
+        </p:txBody>
+      </p:sp>
+      <p:sp>
+        <p:nvSpPr>
+          <p:cNvPr id="4" name="슬라이드 번호 개체 틀 3"/>
+          <p:cNvSpPr>
+            <a:spLocks noGrp="1"/>
+          </p:cNvSpPr>
+          <p:nvPr>
+            <p:ph type="sldNum" sz="quarter" idx="5"/>
+          </p:nvPr>
+        </p:nvSpPr>
+        <p:spPr/>
+        <p:txBody>
+          <a:bodyPr/>
+          <a:lstStyle/>
+          <a:p>
+            <a:fld id="{A6631257-9CB7-478D-B00C-4FEF064183D7}" type="slidenum">
+              <a:rPr lang="ko-KR" altLang="en-US" smtClean="0"/>
+              <a:t>8</a:t>
             </a:fld>
             <a:endParaRPr lang="ko-KR" altLang="en-US"/>
           </a:p>
@@ -1047,7 +1217,7 @@
           <a:p>
             <a:fld id="{2F9A32DC-A486-42E1-880C-3BD8374EE90B}" type="datetimeFigureOut">
               <a:rPr lang="ko-KR" altLang="en-US" smtClean="0"/>
-              <a:t>2024-06-03</a:t>
+              <a:t>2024-06-10</a:t>
             </a:fld>
             <a:endParaRPr lang="ko-KR" altLang="en-US"/>
           </a:p>
@@ -1245,7 +1415,7 @@
           <a:p>
             <a:fld id="{2F9A32DC-A486-42E1-880C-3BD8374EE90B}" type="datetimeFigureOut">
               <a:rPr lang="ko-KR" altLang="en-US" smtClean="0"/>
-              <a:t>2024-06-03</a:t>
+              <a:t>2024-06-10</a:t>
             </a:fld>
             <a:endParaRPr lang="ko-KR" altLang="en-US"/>
           </a:p>
@@ -1453,7 +1623,7 @@
           <a:p>
             <a:fld id="{2F9A32DC-A486-42E1-880C-3BD8374EE90B}" type="datetimeFigureOut">
               <a:rPr lang="ko-KR" altLang="en-US" smtClean="0"/>
-              <a:t>2024-06-03</a:t>
+              <a:t>2024-06-10</a:t>
             </a:fld>
             <a:endParaRPr lang="ko-KR" altLang="en-US"/>
           </a:p>
@@ -1651,7 +1821,7 @@
           <a:p>
             <a:fld id="{2F9A32DC-A486-42E1-880C-3BD8374EE90B}" type="datetimeFigureOut">
               <a:rPr lang="ko-KR" altLang="en-US" smtClean="0"/>
-              <a:t>2024-06-03</a:t>
+              <a:t>2024-06-10</a:t>
             </a:fld>
             <a:endParaRPr lang="ko-KR" altLang="en-US"/>
           </a:p>
@@ -1926,7 +2096,7 @@
           <a:p>
             <a:fld id="{2F9A32DC-A486-42E1-880C-3BD8374EE90B}" type="datetimeFigureOut">
               <a:rPr lang="ko-KR" altLang="en-US" smtClean="0"/>
-              <a:t>2024-06-03</a:t>
+              <a:t>2024-06-10</a:t>
             </a:fld>
             <a:endParaRPr lang="ko-KR" altLang="en-US"/>
           </a:p>
@@ -2191,7 +2361,7 @@
           <a:p>
             <a:fld id="{2F9A32DC-A486-42E1-880C-3BD8374EE90B}" type="datetimeFigureOut">
               <a:rPr lang="ko-KR" altLang="en-US" smtClean="0"/>
-              <a:t>2024-06-03</a:t>
+              <a:t>2024-06-10</a:t>
             </a:fld>
             <a:endParaRPr lang="ko-KR" altLang="en-US"/>
           </a:p>
@@ -2603,7 +2773,7 @@
           <a:p>
             <a:fld id="{2F9A32DC-A486-42E1-880C-3BD8374EE90B}" type="datetimeFigureOut">
               <a:rPr lang="ko-KR" altLang="en-US" smtClean="0"/>
-              <a:t>2024-06-03</a:t>
+              <a:t>2024-06-10</a:t>
             </a:fld>
             <a:endParaRPr lang="ko-KR" altLang="en-US"/>
           </a:p>
@@ -2744,7 +2914,7 @@
           <a:p>
             <a:fld id="{2F9A32DC-A486-42E1-880C-3BD8374EE90B}" type="datetimeFigureOut">
               <a:rPr lang="ko-KR" altLang="en-US" smtClean="0"/>
-              <a:t>2024-06-03</a:t>
+              <a:t>2024-06-10</a:t>
             </a:fld>
             <a:endParaRPr lang="ko-KR" altLang="en-US"/>
           </a:p>
@@ -2857,7 +3027,7 @@
           <a:p>
             <a:fld id="{2F9A32DC-A486-42E1-880C-3BD8374EE90B}" type="datetimeFigureOut">
               <a:rPr lang="ko-KR" altLang="en-US" smtClean="0"/>
-              <a:t>2024-06-03</a:t>
+              <a:t>2024-06-10</a:t>
             </a:fld>
             <a:endParaRPr lang="ko-KR" altLang="en-US"/>
           </a:p>
@@ -3168,7 +3338,7 @@
           <a:p>
             <a:fld id="{2F9A32DC-A486-42E1-880C-3BD8374EE90B}" type="datetimeFigureOut">
               <a:rPr lang="ko-KR" altLang="en-US" smtClean="0"/>
-              <a:t>2024-06-03</a:t>
+              <a:t>2024-06-10</a:t>
             </a:fld>
             <a:endParaRPr lang="ko-KR" altLang="en-US"/>
           </a:p>
@@ -3456,7 +3626,7 @@
           <a:p>
             <a:fld id="{2F9A32DC-A486-42E1-880C-3BD8374EE90B}" type="datetimeFigureOut">
               <a:rPr lang="ko-KR" altLang="en-US" smtClean="0"/>
-              <a:t>2024-06-03</a:t>
+              <a:t>2024-06-10</a:t>
             </a:fld>
             <a:endParaRPr lang="ko-KR" altLang="en-US"/>
           </a:p>
@@ -3697,7 +3867,7 @@
           <a:p>
             <a:fld id="{2F9A32DC-A486-42E1-880C-3BD8374EE90B}" type="datetimeFigureOut">
               <a:rPr lang="ko-KR" altLang="en-US" smtClean="0"/>
-              <a:t>2024-06-03</a:t>
+              <a:t>2024-06-10</a:t>
             </a:fld>
             <a:endParaRPr lang="ko-KR" altLang="en-US"/>
           </a:p>
@@ -4288,36 +4458,6 @@
           </a:p>
         </p:txBody>
       </p:sp>
-      <p:pic>
-        <p:nvPicPr>
-          <p:cNvPr id="3" name="그림 2">
-            <a:extLst>
-              <a:ext uri="{FF2B5EF4-FFF2-40B4-BE49-F238E27FC236}">
-                <a16:creationId xmlns:a16="http://schemas.microsoft.com/office/drawing/2014/main" id="{819BED01-2EE0-2328-F0E3-29025FA31F27}"/>
-              </a:ext>
-            </a:extLst>
-          </p:cNvPr>
-          <p:cNvPicPr>
-            <a:picLocks noChangeAspect="1"/>
-          </p:cNvPicPr>
-          <p:nvPr/>
-        </p:nvPicPr>
-        <p:blipFill>
-          <a:blip r:embed="rId3"/>
-          <a:stretch>
-            <a:fillRect/>
-          </a:stretch>
-        </p:blipFill>
-        <p:spPr>
-          <a:xfrm>
-            <a:off x="6668811" y="746498"/>
-            <a:ext cx="3187499" cy="5942169"/>
-          </a:xfrm>
-          <a:prstGeom prst="rect">
-            <a:avLst/>
-          </a:prstGeom>
-        </p:spPr>
-      </p:pic>
       <p:cxnSp>
         <p:nvCxnSpPr>
           <p:cNvPr id="4" name="직선 연결선 3">
@@ -4354,159 +4494,12 @@
           </a:fontRef>
         </p:style>
       </p:cxnSp>
-      <p:sp>
-        <p:nvSpPr>
-          <p:cNvPr id="6" name="TextBox 5">
-            <a:extLst>
-              <a:ext uri="{FF2B5EF4-FFF2-40B4-BE49-F238E27FC236}">
-                <a16:creationId xmlns:a16="http://schemas.microsoft.com/office/drawing/2014/main" id="{EC18548C-F2B2-A888-C63B-914E7E89BA37}"/>
-              </a:ext>
-            </a:extLst>
-          </p:cNvPr>
-          <p:cNvSpPr txBox="1"/>
-          <p:nvPr/>
-        </p:nvSpPr>
-        <p:spPr>
-          <a:xfrm>
-            <a:off x="311150" y="677974"/>
-            <a:ext cx="5056916" cy="1032077"/>
-          </a:xfrm>
-          <a:prstGeom prst="rect">
-            <a:avLst/>
-          </a:prstGeom>
-          <a:noFill/>
-        </p:spPr>
-        <p:txBody>
-          <a:bodyPr wrap="square" rtlCol="0">
-            <a:spAutoFit/>
-          </a:bodyPr>
-          <a:lstStyle/>
-          <a:p>
-            <a:pPr>
-              <a:lnSpc>
-                <a:spcPct val="150000"/>
-              </a:lnSpc>
-            </a:pPr>
-            <a:r>
-              <a:rPr lang="en-US" altLang="ko-KR" sz="1200" dirty="0"/>
-              <a:t>Content Provider</a:t>
-            </a:r>
-            <a:r>
-              <a:rPr lang="ko-KR" altLang="en-US" sz="1200" dirty="0"/>
-              <a:t>의 특징</a:t>
-            </a:r>
-            <a:endParaRPr lang="en-US" altLang="ko-KR" sz="1200" dirty="0"/>
-          </a:p>
-          <a:p>
-            <a:pPr marL="171450" indent="-171450">
-              <a:lnSpc>
-                <a:spcPct val="150000"/>
-              </a:lnSpc>
-              <a:buFontTx/>
-              <a:buChar char="-"/>
-            </a:pPr>
-            <a:r>
-              <a:rPr lang="ko-KR" altLang="en-US" sz="1000" dirty="0"/>
-              <a:t>다른</a:t>
-            </a:r>
-            <a:r>
-              <a:rPr lang="en-US" altLang="ko-KR" sz="1000" dirty="0"/>
-              <a:t> application</a:t>
-            </a:r>
-            <a:r>
-              <a:rPr lang="ko-KR" altLang="en-US" sz="1000" dirty="0"/>
-              <a:t>에 </a:t>
-            </a:r>
-            <a:r>
-              <a:rPr lang="en-US" altLang="ko-KR" sz="1000" dirty="0"/>
-              <a:t>data</a:t>
-            </a:r>
-            <a:r>
-              <a:rPr lang="ko-KR" altLang="en-US" sz="1000" dirty="0"/>
-              <a:t>를 공급하는 역할</a:t>
-            </a:r>
-            <a:endParaRPr lang="en-US" altLang="ko-KR" sz="1000" dirty="0"/>
-          </a:p>
-          <a:p>
-            <a:pPr marL="171450" indent="-171450">
-              <a:lnSpc>
-                <a:spcPct val="150000"/>
-              </a:lnSpc>
-              <a:buFontTx/>
-              <a:buChar char="-"/>
-            </a:pPr>
-            <a:r>
-              <a:rPr lang="en-US" altLang="ko-KR" sz="1000" dirty="0"/>
-              <a:t>Data </a:t>
-            </a:r>
-            <a:r>
-              <a:rPr lang="ko-KR" altLang="en-US" sz="1000" dirty="0"/>
-              <a:t>공급을 </a:t>
-            </a:r>
-            <a:r>
-              <a:rPr lang="ko-KR" altLang="en-US" sz="1000" dirty="0" err="1"/>
-              <a:t>추상화하여</a:t>
-            </a:r>
-            <a:r>
-              <a:rPr lang="ko-KR" altLang="en-US" sz="1000" dirty="0"/>
-              <a:t> </a:t>
-            </a:r>
-            <a:r>
-              <a:rPr lang="en-US" altLang="ko-KR" sz="1000" dirty="0"/>
-              <a:t>data </a:t>
-            </a:r>
-            <a:r>
-              <a:rPr lang="ko-KR" altLang="en-US" sz="1000" dirty="0"/>
-              <a:t>계층과 </a:t>
-            </a:r>
-            <a:r>
-              <a:rPr lang="en-US" altLang="ko-KR" sz="1000" dirty="0"/>
-              <a:t>application </a:t>
-            </a:r>
-            <a:r>
-              <a:rPr lang="ko-KR" altLang="en-US" sz="1000" dirty="0"/>
-              <a:t>계층을 분리</a:t>
-            </a:r>
-            <a:endParaRPr lang="en-US" altLang="ko-KR" sz="1000" dirty="0"/>
-          </a:p>
-          <a:p>
-            <a:pPr marL="171450" indent="-171450">
-              <a:lnSpc>
-                <a:spcPct val="150000"/>
-              </a:lnSpc>
-              <a:buFontTx/>
-              <a:buChar char="-"/>
-            </a:pPr>
-            <a:r>
-              <a:rPr lang="ko-KR" altLang="en-US" sz="1000" dirty="0"/>
-              <a:t>다른 </a:t>
-            </a:r>
-            <a:r>
-              <a:rPr lang="en-US" altLang="ko-KR" sz="1000" dirty="0"/>
-              <a:t>application</a:t>
-            </a:r>
-            <a:r>
-              <a:rPr lang="ko-KR" altLang="en-US" sz="1000" dirty="0"/>
-              <a:t>이 </a:t>
-            </a:r>
-            <a:r>
-              <a:rPr lang="en-US" altLang="ko-KR" sz="1000" dirty="0"/>
-              <a:t>app data</a:t>
-            </a:r>
-            <a:r>
-              <a:rPr lang="ko-KR" altLang="en-US" sz="1000" dirty="0"/>
-              <a:t>에 안전하게 액세스하여 이를 수정할 수 있도록 허용</a:t>
-            </a:r>
-            <a:endParaRPr lang="en-US" altLang="ko-KR" sz="1000" dirty="0"/>
-          </a:p>
-        </p:txBody>
-      </p:sp>
       <p:pic>
         <p:nvPicPr>
-          <p:cNvPr id="8" name="그림 7">
-            <a:extLst>
-              <a:ext uri="{FF2B5EF4-FFF2-40B4-BE49-F238E27FC236}">
-                <a16:creationId xmlns:a16="http://schemas.microsoft.com/office/drawing/2014/main" id="{10A9E1B3-80C5-8C85-D5E0-930980A0E6FA}"/>
+          <p:cNvPr id="7" name="그림 6">
+            <a:extLst>
+              <a:ext uri="{FF2B5EF4-FFF2-40B4-BE49-F238E27FC236}">
+                <a16:creationId xmlns:a16="http://schemas.microsoft.com/office/drawing/2014/main" id="{74DEDB6A-DAD1-A3FE-E0AF-39BABAD83537}"/>
               </a:ext>
             </a:extLst>
           </p:cNvPr>
@@ -4516,167 +4509,27 @@
           <p:nvPr/>
         </p:nvPicPr>
         <p:blipFill>
-          <a:blip r:embed="rId4">
-            <a:extLst>
-              <a:ext uri="{28A0092B-C50C-407E-A947-70E740481C1C}">
-                <a14:useLocalDpi xmlns:a14="http://schemas.microsoft.com/office/drawing/2010/main" val="0"/>
-              </a:ext>
-            </a:extLst>
-          </a:blip>
-          <a:srcRect/>
-          <a:stretch/>
-        </p:blipFill>
-        <p:spPr>
-          <a:xfrm>
-            <a:off x="10248391" y="746498"/>
-            <a:ext cx="1440000" cy="2880000"/>
-          </a:xfrm>
-          <a:prstGeom prst="rect">
-            <a:avLst/>
-          </a:prstGeom>
-        </p:spPr>
-      </p:pic>
-      <p:sp>
-        <p:nvSpPr>
-          <p:cNvPr id="10" name="TextBox 9">
-            <a:extLst>
-              <a:ext uri="{FF2B5EF4-FFF2-40B4-BE49-F238E27FC236}">
-                <a16:creationId xmlns:a16="http://schemas.microsoft.com/office/drawing/2014/main" id="{BBA10229-CBF1-F665-611F-D5C955CCFE8E}"/>
-              </a:ext>
-            </a:extLst>
-          </p:cNvPr>
-          <p:cNvSpPr txBox="1"/>
-          <p:nvPr/>
-        </p:nvSpPr>
-        <p:spPr>
-          <a:xfrm>
-            <a:off x="311150" y="1834247"/>
-            <a:ext cx="4762817" cy="801245"/>
-          </a:xfrm>
-          <a:prstGeom prst="rect">
-            <a:avLst/>
-          </a:prstGeom>
-          <a:noFill/>
-        </p:spPr>
-        <p:txBody>
-          <a:bodyPr wrap="square" rtlCol="0">
-            <a:spAutoFit/>
-          </a:bodyPr>
-          <a:lstStyle/>
-          <a:p>
-            <a:pPr>
-              <a:lnSpc>
-                <a:spcPct val="150000"/>
-              </a:lnSpc>
-            </a:pPr>
-            <a:r>
-              <a:rPr lang="en-US" altLang="ko-KR" sz="1200" dirty="0"/>
-              <a:t>Content Provider</a:t>
-            </a:r>
-            <a:r>
-              <a:rPr lang="ko-KR" altLang="en-US" sz="1200" dirty="0"/>
-              <a:t>가 </a:t>
-            </a:r>
-            <a:r>
-              <a:rPr lang="en-US" altLang="ko-KR" sz="1200" dirty="0"/>
-              <a:t>data</a:t>
-            </a:r>
-            <a:r>
-              <a:rPr lang="ko-KR" altLang="en-US" sz="1200" dirty="0"/>
-              <a:t>를 가져오는 방법</a:t>
-            </a:r>
-            <a:br>
-              <a:rPr lang="en-US" altLang="ko-KR" sz="1000" dirty="0"/>
-            </a:br>
-            <a:r>
-              <a:rPr lang="en-US" altLang="ko-KR" sz="1000" dirty="0"/>
-              <a:t>- ContentResolver </a:t>
-            </a:r>
-            <a:r>
-              <a:rPr lang="ko-KR" altLang="en-US" sz="1000" dirty="0"/>
-              <a:t>객체가 </a:t>
-            </a:r>
-            <a:r>
-              <a:rPr lang="en-US" altLang="ko-KR" sz="1000" dirty="0"/>
-              <a:t>ContentProvider</a:t>
-            </a:r>
-            <a:r>
-              <a:rPr lang="ko-KR" altLang="en-US" sz="1000" dirty="0"/>
-              <a:t>에 </a:t>
-            </a:r>
-            <a:r>
-              <a:rPr lang="en-US" altLang="ko-KR" sz="1000" dirty="0"/>
-              <a:t>data</a:t>
-            </a:r>
-            <a:r>
-              <a:rPr lang="ko-KR" altLang="en-US" sz="1000" dirty="0"/>
-              <a:t>를 요청하게 되고 </a:t>
-            </a:r>
-            <a:r>
-              <a:rPr lang="en-US" altLang="ko-KR" sz="1000" dirty="0"/>
-              <a:t>ContentProvider</a:t>
-            </a:r>
-            <a:r>
-              <a:rPr lang="ko-KR" altLang="en-US" sz="1000" dirty="0"/>
-              <a:t>는 요청된 작업을 실행하고 결과를 반환하는 구조</a:t>
-            </a:r>
-            <a:endParaRPr lang="en-US" altLang="ko-KR" sz="1000" dirty="0"/>
-          </a:p>
-        </p:txBody>
-      </p:sp>
-      <p:pic>
-        <p:nvPicPr>
-          <p:cNvPr id="13" name="Picture 2" descr="Content Provider">
-            <a:extLst>
-              <a:ext uri="{FF2B5EF4-FFF2-40B4-BE49-F238E27FC236}">
-                <a16:creationId xmlns:a16="http://schemas.microsoft.com/office/drawing/2014/main" id="{8824379C-32E6-67C9-D120-2A8C476C8590}"/>
-              </a:ext>
-            </a:extLst>
-          </p:cNvPr>
-          <p:cNvPicPr>
-            <a:picLocks noChangeAspect="1" noChangeArrowheads="1"/>
-          </p:cNvPicPr>
-          <p:nvPr/>
-        </p:nvPicPr>
-        <p:blipFill>
-          <a:blip r:embed="rId5">
-            <a:extLst>
-              <a:ext uri="{28A0092B-C50C-407E-A947-70E740481C1C}">
-                <a14:useLocalDpi xmlns:a14="http://schemas.microsoft.com/office/drawing/2010/main" val="0"/>
-              </a:ext>
-            </a:extLst>
-          </a:blip>
-          <a:srcRect/>
+          <a:blip r:embed="rId3"/>
           <a:stretch>
             <a:fillRect/>
           </a:stretch>
         </p:blipFill>
-        <p:spPr bwMode="auto">
-          <a:xfrm>
-            <a:off x="413609" y="2805190"/>
-            <a:ext cx="4466911" cy="2245594"/>
+        <p:spPr>
+          <a:xfrm>
+            <a:off x="7205718" y="706649"/>
+            <a:ext cx="2066477" cy="3673736"/>
           </a:xfrm>
           <a:prstGeom prst="rect">
             <a:avLst/>
           </a:prstGeom>
-          <a:noFill/>
-          <a:extLst>
-            <a:ext uri="{909E8E84-426E-40DD-AFC4-6F175D3DCCD1}">
-              <a14:hiddenFill xmlns:a14="http://schemas.microsoft.com/office/drawing/2010/main">
-                <a:solidFill>
-                  <a:srgbClr val="FFFFFF"/>
-                </a:solidFill>
-              </a14:hiddenFill>
-            </a:ext>
-          </a:extLst>
         </p:spPr>
       </p:pic>
       <p:pic>
         <p:nvPicPr>
-          <p:cNvPr id="14" name="그림 13">
-            <a:extLst>
-              <a:ext uri="{FF2B5EF4-FFF2-40B4-BE49-F238E27FC236}">
-                <a16:creationId xmlns:a16="http://schemas.microsoft.com/office/drawing/2014/main" id="{AE1338B9-4817-2285-9620-6E651ECA17AE}"/>
+          <p:cNvPr id="12" name="그림 11">
+            <a:extLst>
+              <a:ext uri="{FF2B5EF4-FFF2-40B4-BE49-F238E27FC236}">
+                <a16:creationId xmlns:a16="http://schemas.microsoft.com/office/drawing/2014/main" id="{3932A7B5-18F7-708B-79BB-DF10315FA454}"/>
               </a:ext>
             </a:extLst>
           </p:cNvPr>
@@ -4686,20 +4539,15 @@
           <p:nvPr/>
         </p:nvPicPr>
         <p:blipFill>
-          <a:blip r:embed="rId6">
-            <a:extLst>
-              <a:ext uri="{28A0092B-C50C-407E-A947-70E740481C1C}">
-                <a14:useLocalDpi xmlns:a14="http://schemas.microsoft.com/office/drawing/2010/main" val="0"/>
-              </a:ext>
-            </a:extLst>
-          </a:blip>
-          <a:srcRect/>
-          <a:stretch/>
+          <a:blip r:embed="rId4"/>
+          <a:stretch>
+            <a:fillRect/>
+          </a:stretch>
         </p:blipFill>
         <p:spPr>
           <a:xfrm>
-            <a:off x="10248391" y="3776701"/>
-            <a:ext cx="1440000" cy="2880000"/>
+            <a:off x="311150" y="1022520"/>
+            <a:ext cx="3221089" cy="3590722"/>
           </a:xfrm>
           <a:prstGeom prst="rect">
             <a:avLst/>
@@ -4708,134 +4556,25 @@
       </p:pic>
       <p:sp>
         <p:nvSpPr>
-          <p:cNvPr id="15" name="직사각형 14">
-            <a:extLst>
-              <a:ext uri="{FF2B5EF4-FFF2-40B4-BE49-F238E27FC236}">
-                <a16:creationId xmlns:a16="http://schemas.microsoft.com/office/drawing/2014/main" id="{833D74BD-FF2B-0C6A-5A49-CCE65F1A3E2D}"/>
-              </a:ext>
-            </a:extLst>
-          </p:cNvPr>
-          <p:cNvSpPr/>
+          <p:cNvPr id="16" name="TextBox 15">
+            <a:extLst>
+              <a:ext uri="{FF2B5EF4-FFF2-40B4-BE49-F238E27FC236}">
+                <a16:creationId xmlns:a16="http://schemas.microsoft.com/office/drawing/2014/main" id="{F8BA7DF4-1AA4-F25B-F6A8-F3B7DBA75900}"/>
+              </a:ext>
+            </a:extLst>
+          </p:cNvPr>
+          <p:cNvSpPr txBox="1"/>
           <p:nvPr/>
         </p:nvSpPr>
         <p:spPr>
           <a:xfrm>
-            <a:off x="6926185" y="3166853"/>
-            <a:ext cx="2789315" cy="490747"/>
+            <a:off x="311150" y="769309"/>
+            <a:ext cx="947495" cy="253211"/>
           </a:xfrm>
           <a:prstGeom prst="rect">
             <a:avLst/>
           </a:prstGeom>
           <a:noFill/>
-          <a:ln w="9525">
-            <a:solidFill>
-              <a:srgbClr val="FF0000"/>
-            </a:solidFill>
-          </a:ln>
-        </p:spPr>
-        <p:style>
-          <a:lnRef idx="2">
-            <a:schemeClr val="accent1">
-              <a:shade val="15000"/>
-            </a:schemeClr>
-          </a:lnRef>
-          <a:fillRef idx="1">
-            <a:schemeClr val="accent1"/>
-          </a:fillRef>
-          <a:effectRef idx="0">
-            <a:schemeClr val="accent1"/>
-          </a:effectRef>
-          <a:fontRef idx="minor">
-            <a:schemeClr val="lt1"/>
-          </a:fontRef>
-        </p:style>
-        <p:txBody>
-          <a:bodyPr rtlCol="0" anchor="ctr"/>
-          <a:lstStyle/>
-          <a:p>
-            <a:pPr algn="ctr"/>
-            <a:endParaRPr lang="ko-KR" altLang="en-US"/>
-          </a:p>
-        </p:txBody>
-      </p:sp>
-      <p:sp>
-        <p:nvSpPr>
-          <p:cNvPr id="17" name="직사각형 16">
-            <a:extLst>
-              <a:ext uri="{FF2B5EF4-FFF2-40B4-BE49-F238E27FC236}">
-                <a16:creationId xmlns:a16="http://schemas.microsoft.com/office/drawing/2014/main" id="{C79CBC0A-0D0D-AE38-B690-54BD13934E67}"/>
-              </a:ext>
-            </a:extLst>
-          </p:cNvPr>
-          <p:cNvSpPr/>
-          <p:nvPr/>
-        </p:nvSpPr>
-        <p:spPr>
-          <a:xfrm>
-            <a:off x="7061681" y="4163103"/>
-            <a:ext cx="2374420" cy="1206880"/>
-          </a:xfrm>
-          <a:prstGeom prst="rect">
-            <a:avLst/>
-          </a:prstGeom>
-          <a:noFill/>
-          <a:ln w="9525">
-            <a:solidFill>
-              <a:srgbClr val="FF0000"/>
-            </a:solidFill>
-          </a:ln>
-        </p:spPr>
-        <p:style>
-          <a:lnRef idx="2">
-            <a:schemeClr val="accent1">
-              <a:shade val="15000"/>
-            </a:schemeClr>
-          </a:lnRef>
-          <a:fillRef idx="1">
-            <a:schemeClr val="accent1"/>
-          </a:fillRef>
-          <a:effectRef idx="0">
-            <a:schemeClr val="accent1"/>
-          </a:effectRef>
-          <a:fontRef idx="minor">
-            <a:schemeClr val="lt1"/>
-          </a:fontRef>
-        </p:style>
-        <p:txBody>
-          <a:bodyPr rtlCol="0" anchor="ctr"/>
-          <a:lstStyle/>
-          <a:p>
-            <a:pPr algn="ctr"/>
-            <a:endParaRPr lang="ko-KR" altLang="en-US"/>
-          </a:p>
-        </p:txBody>
-      </p:sp>
-      <p:sp>
-        <p:nvSpPr>
-          <p:cNvPr id="19" name="TextBox 18">
-            <a:extLst>
-              <a:ext uri="{FF2B5EF4-FFF2-40B4-BE49-F238E27FC236}">
-                <a16:creationId xmlns:a16="http://schemas.microsoft.com/office/drawing/2014/main" id="{A7677441-199F-CAC8-D1C6-1AF3CA722CC2}"/>
-              </a:ext>
-            </a:extLst>
-          </p:cNvPr>
-          <p:cNvSpPr txBox="1"/>
-          <p:nvPr/>
-        </p:nvSpPr>
-        <p:spPr>
-          <a:xfrm>
-            <a:off x="5867073" y="3285620"/>
-            <a:ext cx="660928" cy="253211"/>
-          </a:xfrm>
-          <a:prstGeom prst="rect">
-            <a:avLst/>
-          </a:prstGeom>
-          <a:noFill/>
-          <a:ln>
-            <a:solidFill>
-              <a:srgbClr val="2B2B2B"/>
-            </a:solidFill>
-          </a:ln>
         </p:spPr>
         <p:txBody>
           <a:bodyPr wrap="square" rtlCol="0">
@@ -4850,158 +4589,131 @@
             </a:pPr>
             <a:r>
               <a:rPr lang="en-US" altLang="ko-KR" sz="800" dirty="0"/>
-              <a:t>Data </a:t>
-            </a:r>
-            <a:r>
-              <a:rPr lang="ko-KR" altLang="en-US" sz="800" dirty="0"/>
-              <a:t>쓰기</a:t>
-            </a:r>
-            <a:endParaRPr lang="en-US" altLang="ko-KR" sz="800" dirty="0"/>
-          </a:p>
-        </p:txBody>
-      </p:sp>
-      <p:cxnSp>
-        <p:nvCxnSpPr>
-          <p:cNvPr id="21" name="직선 화살표 연결선 20">
-            <a:extLst>
-              <a:ext uri="{FF2B5EF4-FFF2-40B4-BE49-F238E27FC236}">
-                <a16:creationId xmlns:a16="http://schemas.microsoft.com/office/drawing/2014/main" id="{F0E53F52-7F44-757C-4B1B-57FA9186F6DF}"/>
-              </a:ext>
-            </a:extLst>
-          </p:cNvPr>
-          <p:cNvCxnSpPr>
-            <a:cxnSpLocks/>
-            <a:stCxn id="19" idx="3"/>
-            <a:endCxn id="15" idx="1"/>
-          </p:cNvCxnSpPr>
+              <a:t>Manifest.xml</a:t>
+            </a:r>
+          </a:p>
+        </p:txBody>
+      </p:sp>
+      <p:pic>
+        <p:nvPicPr>
+          <p:cNvPr id="20" name="그림 19">
+            <a:extLst>
+              <a:ext uri="{FF2B5EF4-FFF2-40B4-BE49-F238E27FC236}">
+                <a16:creationId xmlns:a16="http://schemas.microsoft.com/office/drawing/2014/main" id="{78E16A8D-6251-07F6-3944-7D99DC568A5D}"/>
+              </a:ext>
+            </a:extLst>
+          </p:cNvPr>
+          <p:cNvPicPr>
+            <a:picLocks noChangeAspect="1"/>
+          </p:cNvPicPr>
           <p:nvPr/>
-        </p:nvCxnSpPr>
-        <p:spPr>
-          <a:xfrm>
-            <a:off x="6528001" y="3412226"/>
-            <a:ext cx="398184" cy="1"/>
-          </a:xfrm>
-          <a:prstGeom prst="straightConnector1">
-            <a:avLst/>
-          </a:prstGeom>
-          <a:ln>
-            <a:solidFill>
-              <a:srgbClr val="FF0000"/>
-            </a:solidFill>
-            <a:tailEnd type="triangle"/>
-          </a:ln>
-        </p:spPr>
-        <p:style>
-          <a:lnRef idx="2">
-            <a:schemeClr val="accent1"/>
-          </a:lnRef>
-          <a:fillRef idx="0">
-            <a:schemeClr val="accent1"/>
-          </a:fillRef>
-          <a:effectRef idx="1">
-            <a:schemeClr val="accent1"/>
-          </a:effectRef>
-          <a:fontRef idx="minor">
-            <a:schemeClr val="tx1"/>
-          </a:fontRef>
-        </p:style>
-      </p:cxnSp>
-      <p:sp>
-        <p:nvSpPr>
-          <p:cNvPr id="22" name="TextBox 21">
-            <a:extLst>
-              <a:ext uri="{FF2B5EF4-FFF2-40B4-BE49-F238E27FC236}">
-                <a16:creationId xmlns:a16="http://schemas.microsoft.com/office/drawing/2014/main" id="{B2A33F07-6B22-C992-0262-32C3DBD3877F}"/>
-              </a:ext>
-            </a:extLst>
-          </p:cNvPr>
-          <p:cNvSpPr txBox="1"/>
-          <p:nvPr/>
-        </p:nvSpPr>
-        <p:spPr>
-          <a:xfrm>
-            <a:off x="5867073" y="4639937"/>
-            <a:ext cx="660928" cy="253211"/>
+        </p:nvPicPr>
+        <p:blipFill>
+          <a:blip r:embed="rId5"/>
+          <a:stretch>
+            <a:fillRect/>
+          </a:stretch>
+        </p:blipFill>
+        <p:spPr>
+          <a:xfrm>
+            <a:off x="3859703" y="1022520"/>
+            <a:ext cx="3100495" cy="3041995"/>
           </a:xfrm>
           <a:prstGeom prst="rect">
             <a:avLst/>
           </a:prstGeom>
-          <a:noFill/>
-          <a:ln>
-            <a:solidFill>
-              <a:srgbClr val="2B2B2B"/>
-            </a:solidFill>
-          </a:ln>
-        </p:spPr>
-        <p:txBody>
-          <a:bodyPr wrap="square" rtlCol="0">
-            <a:spAutoFit/>
-          </a:bodyPr>
-          <a:lstStyle/>
-          <a:p>
-            <a:pPr>
-              <a:lnSpc>
-                <a:spcPct val="150000"/>
-              </a:lnSpc>
-            </a:pPr>
-            <a:r>
-              <a:rPr lang="en-US" altLang="ko-KR" sz="800"/>
-              <a:t>Data </a:t>
-            </a:r>
-            <a:r>
-              <a:rPr lang="ko-KR" altLang="en-US" sz="800" dirty="0"/>
-              <a:t>읽기</a:t>
-            </a:r>
-            <a:endParaRPr lang="en-US" altLang="ko-KR" sz="800" dirty="0"/>
-          </a:p>
-        </p:txBody>
-      </p:sp>
-      <p:cxnSp>
-        <p:nvCxnSpPr>
-          <p:cNvPr id="25" name="직선 화살표 연결선 24">
-            <a:extLst>
-              <a:ext uri="{FF2B5EF4-FFF2-40B4-BE49-F238E27FC236}">
-                <a16:creationId xmlns:a16="http://schemas.microsoft.com/office/drawing/2014/main" id="{E17393F0-09AB-9376-4A98-A74F0B91D321}"/>
-              </a:ext>
-            </a:extLst>
-          </p:cNvPr>
-          <p:cNvCxnSpPr>
-            <a:cxnSpLocks/>
-            <a:stCxn id="22" idx="3"/>
-            <a:endCxn id="17" idx="1"/>
-          </p:cNvCxnSpPr>
+        </p:spPr>
+      </p:pic>
+      <p:pic>
+        <p:nvPicPr>
+          <p:cNvPr id="24" name="그림 23">
+            <a:extLst>
+              <a:ext uri="{FF2B5EF4-FFF2-40B4-BE49-F238E27FC236}">
+                <a16:creationId xmlns:a16="http://schemas.microsoft.com/office/drawing/2014/main" id="{E8DAF6C3-5372-5545-AC90-00C3021FCE8C}"/>
+              </a:ext>
+            </a:extLst>
+          </p:cNvPr>
+          <p:cNvPicPr>
+            <a:picLocks noChangeAspect="1"/>
+          </p:cNvPicPr>
           <p:nvPr/>
-        </p:nvCxnSpPr>
-        <p:spPr>
-          <a:xfrm>
-            <a:off x="6528001" y="4766543"/>
-            <a:ext cx="533680" cy="0"/>
-          </a:xfrm>
-          <a:prstGeom prst="straightConnector1">
+        </p:nvPicPr>
+        <p:blipFill>
+          <a:blip r:embed="rId6"/>
+          <a:stretch>
+            <a:fillRect/>
+          </a:stretch>
+        </p:blipFill>
+        <p:spPr>
+          <a:xfrm>
+            <a:off x="9272195" y="746498"/>
+            <a:ext cx="1631185" cy="2899884"/>
+          </a:xfrm>
+          <a:prstGeom prst="rect">
             <a:avLst/>
           </a:prstGeom>
-          <a:ln>
-            <a:solidFill>
-              <a:srgbClr val="FF0000"/>
-            </a:solidFill>
-            <a:tailEnd type="triangle"/>
-          </a:ln>
-        </p:spPr>
-        <p:style>
-          <a:lnRef idx="2">
-            <a:schemeClr val="accent1"/>
-          </a:lnRef>
-          <a:fillRef idx="0">
-            <a:schemeClr val="accent1"/>
-          </a:fillRef>
-          <a:effectRef idx="1">
-            <a:schemeClr val="accent1"/>
-          </a:effectRef>
-          <a:fontRef idx="minor">
-            <a:schemeClr val="tx1"/>
-          </a:fontRef>
-        </p:style>
-      </p:cxnSp>
+        </p:spPr>
+      </p:pic>
+      <p:pic>
+        <p:nvPicPr>
+          <p:cNvPr id="27" name="그림 26">
+            <a:extLst>
+              <a:ext uri="{FF2B5EF4-FFF2-40B4-BE49-F238E27FC236}">
+                <a16:creationId xmlns:a16="http://schemas.microsoft.com/office/drawing/2014/main" id="{7C52ABFE-61EE-5D77-3A70-0595F7C2C1E5}"/>
+              </a:ext>
+            </a:extLst>
+          </p:cNvPr>
+          <p:cNvPicPr>
+            <a:picLocks noChangeAspect="1"/>
+          </p:cNvPicPr>
+          <p:nvPr/>
+        </p:nvPicPr>
+        <p:blipFill>
+          <a:blip r:embed="rId7"/>
+          <a:stretch>
+            <a:fillRect/>
+          </a:stretch>
+        </p:blipFill>
+        <p:spPr>
+          <a:xfrm>
+            <a:off x="10903380" y="833646"/>
+            <a:ext cx="1082545" cy="1924524"/>
+          </a:xfrm>
+          <a:prstGeom prst="rect">
+            <a:avLst/>
+          </a:prstGeom>
+        </p:spPr>
+      </p:pic>
+      <p:pic>
+        <p:nvPicPr>
+          <p:cNvPr id="29" name="그림 28">
+            <a:extLst>
+              <a:ext uri="{FF2B5EF4-FFF2-40B4-BE49-F238E27FC236}">
+                <a16:creationId xmlns:a16="http://schemas.microsoft.com/office/drawing/2014/main" id="{60EE6288-6C29-C692-5EED-0137AEB8CD2F}"/>
+              </a:ext>
+            </a:extLst>
+          </p:cNvPr>
+          <p:cNvPicPr>
+            <a:picLocks noChangeAspect="1"/>
+          </p:cNvPicPr>
+          <p:nvPr/>
+        </p:nvPicPr>
+        <p:blipFill>
+          <a:blip r:embed="rId8"/>
+          <a:stretch>
+            <a:fillRect/>
+          </a:stretch>
+        </p:blipFill>
+        <p:spPr>
+          <a:xfrm>
+            <a:off x="9517716" y="3937411"/>
+            <a:ext cx="1498116" cy="2663317"/>
+          </a:xfrm>
+          <a:prstGeom prst="rect">
+            <a:avLst/>
+          </a:prstGeom>
+        </p:spPr>
+      </p:pic>
     </p:spTree>
     <p:extLst>
       <p:ext uri="{BB962C8B-B14F-4D97-AF65-F5344CB8AC3E}">
@@ -5795,11 +5507,11 @@
           <a:p>
             <a:r>
               <a:rPr lang="ko-KR" altLang="en-US" sz="1500" dirty="0"/>
-              <a:t>서비스 </a:t>
+              <a:t>스레드 </a:t>
             </a:r>
             <a:r>
               <a:rPr lang="en-US" altLang="ko-KR" sz="1500" dirty="0"/>
-              <a:t>(Service)</a:t>
+              <a:t>(Thread)</a:t>
             </a:r>
             <a:endParaRPr lang="ko-KR" altLang="en-US" sz="1500" dirty="0"/>
           </a:p>
@@ -5872,7 +5584,7 @@
             <a:pPr algn="r"/>
             <a:r>
               <a:rPr lang="en-US" altLang="ko-KR" sz="1200" dirty="0"/>
-              <a:t>Ch11</a:t>
+              <a:t>Ch13</a:t>
             </a:r>
             <a:endParaRPr lang="ko-KR" altLang="en-US" sz="1200" dirty="0"/>
           </a:p>
@@ -5880,77 +5592,25 @@
       </p:sp>
       <p:pic>
         <p:nvPicPr>
-          <p:cNvPr id="20" name="그림 19">
-            <a:extLst>
-              <a:ext uri="{FF2B5EF4-FFF2-40B4-BE49-F238E27FC236}">
-                <a16:creationId xmlns:a16="http://schemas.microsoft.com/office/drawing/2014/main" id="{CC9E9439-D1A0-C927-9F14-2E28EB550996}"/>
+          <p:cNvPr id="6" name="Screen_recording_20240610_073212">
+            <a:hlinkClick r:id="" action="ppaction://media"/>
+            <a:extLst>
+              <a:ext uri="{FF2B5EF4-FFF2-40B4-BE49-F238E27FC236}">
+                <a16:creationId xmlns:a16="http://schemas.microsoft.com/office/drawing/2014/main" id="{2A261D4A-8C45-ACCA-4040-89E312E1DE1B}"/>
               </a:ext>
             </a:extLst>
           </p:cNvPr>
           <p:cNvPicPr>
             <a:picLocks noChangeAspect="1"/>
           </p:cNvPicPr>
-          <p:nvPr/>
-        </p:nvPicPr>
-        <p:blipFill>
-          <a:blip r:embed="rId3"/>
-          <a:stretch>
-            <a:fillRect/>
-          </a:stretch>
-        </p:blipFill>
-        <p:spPr>
-          <a:xfrm>
-            <a:off x="3287645" y="3820521"/>
-            <a:ext cx="3077515" cy="2902831"/>
-          </a:xfrm>
-          <a:prstGeom prst="rect">
-            <a:avLst/>
-          </a:prstGeom>
-        </p:spPr>
-      </p:pic>
-      <p:pic>
-        <p:nvPicPr>
-          <p:cNvPr id="22" name="그림 21">
-            <a:extLst>
-              <a:ext uri="{FF2B5EF4-FFF2-40B4-BE49-F238E27FC236}">
-                <a16:creationId xmlns:a16="http://schemas.microsoft.com/office/drawing/2014/main" id="{88370FDE-23BF-0195-2531-3AEDB51B0887}"/>
-              </a:ext>
-            </a:extLst>
-          </p:cNvPr>
-          <p:cNvPicPr>
-            <a:picLocks noChangeAspect="1"/>
-          </p:cNvPicPr>
-          <p:nvPr/>
-        </p:nvPicPr>
-        <p:blipFill>
-          <a:blip r:embed="rId4"/>
-          <a:stretch>
-            <a:fillRect/>
-          </a:stretch>
-        </p:blipFill>
-        <p:spPr>
-          <a:xfrm>
-            <a:off x="3287645" y="859602"/>
-            <a:ext cx="3077515" cy="2868589"/>
-          </a:xfrm>
-          <a:prstGeom prst="rect">
-            <a:avLst/>
-          </a:prstGeom>
-        </p:spPr>
-      </p:pic>
-      <p:pic>
-        <p:nvPicPr>
-          <p:cNvPr id="26" name="그림 25">
-            <a:extLst>
-              <a:ext uri="{FF2B5EF4-FFF2-40B4-BE49-F238E27FC236}">
-                <a16:creationId xmlns:a16="http://schemas.microsoft.com/office/drawing/2014/main" id="{4F4F2983-B145-8A83-0807-8B4E73F90114}"/>
-              </a:ext>
-            </a:extLst>
-          </p:cNvPr>
-          <p:cNvPicPr>
-            <a:picLocks noChangeAspect="1"/>
-          </p:cNvPicPr>
-          <p:nvPr/>
+          <p:nvPr>
+            <a:videoFile r:link="rId2"/>
+            <p:extLst>
+              <p:ext uri="{DAA4B4D4-6D71-4841-9C94-3DE7FCFB9230}">
+                <p14:media xmlns:p14="http://schemas.microsoft.com/office/powerpoint/2010/main" r:embed="rId1"/>
+              </p:ext>
+            </p:extLst>
+          </p:nvPr>
         </p:nvPicPr>
         <p:blipFill>
           <a:blip r:embed="rId5"/>
@@ -5960,8 +5620,8 @@
         </p:blipFill>
         <p:spPr>
           <a:xfrm>
-            <a:off x="331112" y="1925141"/>
-            <a:ext cx="2866526" cy="2853437"/>
+            <a:off x="8864361" y="771804"/>
+            <a:ext cx="2946639" cy="5238469"/>
           </a:xfrm>
           <a:prstGeom prst="rect">
             <a:avLst/>
@@ -5970,10 +5630,10 @@
       </p:pic>
       <p:pic>
         <p:nvPicPr>
-          <p:cNvPr id="2" name="그림 1">
-            <a:extLst>
-              <a:ext uri="{FF2B5EF4-FFF2-40B4-BE49-F238E27FC236}">
-                <a16:creationId xmlns:a16="http://schemas.microsoft.com/office/drawing/2014/main" id="{FEDAEE1F-05D3-7F32-2513-818D7FD49227}"/>
+          <p:cNvPr id="12" name="그림 11">
+            <a:extLst>
+              <a:ext uri="{FF2B5EF4-FFF2-40B4-BE49-F238E27FC236}">
+                <a16:creationId xmlns:a16="http://schemas.microsoft.com/office/drawing/2014/main" id="{EC5BE810-A858-9F23-0F41-1F7B857DF79B}"/>
               </a:ext>
             </a:extLst>
           </p:cNvPr>
@@ -5982,48 +5642,337 @@
           </p:cNvPicPr>
           <p:nvPr/>
         </p:nvPicPr>
-        <p:blipFill rotWithShape="1">
+        <p:blipFill>
           <a:blip r:embed="rId6"/>
-          <a:srcRect t="75710"/>
-          <a:stretch/>
+          <a:stretch>
+            <a:fillRect/>
+          </a:stretch>
         </p:blipFill>
         <p:spPr>
           <a:xfrm>
-            <a:off x="331112" y="859602"/>
-            <a:ext cx="2866526" cy="724780"/>
+            <a:off x="4997458" y="771804"/>
+            <a:ext cx="3203567" cy="4516794"/>
           </a:xfrm>
           <a:prstGeom prst="rect">
             <a:avLst/>
           </a:prstGeom>
         </p:spPr>
       </p:pic>
+      <p:pic>
+        <p:nvPicPr>
+          <p:cNvPr id="14" name="그림 13">
+            <a:extLst>
+              <a:ext uri="{FF2B5EF4-FFF2-40B4-BE49-F238E27FC236}">
+                <a16:creationId xmlns:a16="http://schemas.microsoft.com/office/drawing/2014/main" id="{368AF779-3CE8-8367-2698-C2C6454C28A9}"/>
+              </a:ext>
+            </a:extLst>
+          </p:cNvPr>
+          <p:cNvPicPr>
+            <a:picLocks noChangeAspect="1"/>
+          </p:cNvPicPr>
+          <p:nvPr/>
+        </p:nvPicPr>
+        <p:blipFill>
+          <a:blip r:embed="rId7"/>
+          <a:stretch>
+            <a:fillRect/>
+          </a:stretch>
+        </p:blipFill>
+        <p:spPr>
+          <a:xfrm>
+            <a:off x="243820" y="771804"/>
+            <a:ext cx="3297271" cy="1295121"/>
+          </a:xfrm>
+          <a:prstGeom prst="rect">
+            <a:avLst/>
+          </a:prstGeom>
+        </p:spPr>
+      </p:pic>
+      <p:pic>
+        <p:nvPicPr>
+          <p:cNvPr id="16" name="그림 15">
+            <a:extLst>
+              <a:ext uri="{FF2B5EF4-FFF2-40B4-BE49-F238E27FC236}">
+                <a16:creationId xmlns:a16="http://schemas.microsoft.com/office/drawing/2014/main" id="{49F12E55-E0A2-B578-41BB-D773BDE0D715}"/>
+              </a:ext>
+            </a:extLst>
+          </p:cNvPr>
+          <p:cNvPicPr>
+            <a:picLocks noChangeAspect="1"/>
+          </p:cNvPicPr>
+          <p:nvPr/>
+        </p:nvPicPr>
+        <p:blipFill>
+          <a:blip r:embed="rId8"/>
+          <a:stretch>
+            <a:fillRect/>
+          </a:stretch>
+        </p:blipFill>
+        <p:spPr>
+          <a:xfrm>
+            <a:off x="243820" y="2198063"/>
+            <a:ext cx="2710240" cy="1867160"/>
+          </a:xfrm>
+          <a:prstGeom prst="rect">
+            <a:avLst/>
+          </a:prstGeom>
+        </p:spPr>
+      </p:pic>
+      <p:pic>
+        <p:nvPicPr>
+          <p:cNvPr id="18" name="그림 17">
+            <a:extLst>
+              <a:ext uri="{FF2B5EF4-FFF2-40B4-BE49-F238E27FC236}">
+                <a16:creationId xmlns:a16="http://schemas.microsoft.com/office/drawing/2014/main" id="{445B11BB-C9A3-6F9A-A87C-1FBDA3D6D9A9}"/>
+              </a:ext>
+            </a:extLst>
+          </p:cNvPr>
+          <p:cNvPicPr>
+            <a:picLocks noChangeAspect="1"/>
+          </p:cNvPicPr>
+          <p:nvPr/>
+        </p:nvPicPr>
+        <p:blipFill>
+          <a:blip r:embed="rId9"/>
+          <a:stretch>
+            <a:fillRect/>
+          </a:stretch>
+        </p:blipFill>
+        <p:spPr>
+          <a:xfrm>
+            <a:off x="761193" y="4353931"/>
+            <a:ext cx="2262523" cy="2365569"/>
+          </a:xfrm>
+          <a:prstGeom prst="rect">
+            <a:avLst/>
+          </a:prstGeom>
+        </p:spPr>
+      </p:pic>
+    </p:spTree>
+    <p:extLst>
+      <p:ext uri="{BB962C8B-B14F-4D97-AF65-F5344CB8AC3E}">
+        <p14:creationId xmlns:p14="http://schemas.microsoft.com/office/powerpoint/2010/main" val="2718759592"/>
+      </p:ext>
+    </p:extLst>
+  </p:cSld>
+  <p:clrMapOvr>
+    <a:masterClrMapping/>
+  </p:clrMapOvr>
+  <p:timing>
+    <p:tnLst>
+      <p:par>
+        <p:cTn id="1" dur="indefinite" restart="never" nodeType="tmRoot">
+          <p:childTnLst>
+            <p:seq concurrent="1" nextAc="seek">
+              <p:cTn id="2" dur="indefinite" nodeType="mainSeq">
+                <p:childTnLst>
+                  <p:par>
+                    <p:cTn id="3" fill="hold">
+                      <p:stCondLst>
+                        <p:cond delay="indefinite"/>
+                      </p:stCondLst>
+                      <p:childTnLst>
+                        <p:par>
+                          <p:cTn id="4" fill="hold">
+                            <p:stCondLst>
+                              <p:cond delay="0"/>
+                            </p:stCondLst>
+                            <p:childTnLst>
+                              <p:par>
+                                <p:cTn id="5" presetID="1" presetClass="mediacall" presetSubtype="0" fill="hold" nodeType="clickEffect">
+                                  <p:stCondLst>
+                                    <p:cond delay="0"/>
+                                  </p:stCondLst>
+                                  <p:childTnLst>
+                                    <p:cmd type="call" cmd="playFrom(0.0)">
+                                      <p:cBhvr>
+                                        <p:cTn id="6" dur="8623" fill="hold"/>
+                                        <p:tgtEl>
+                                          <p:spTgt spid="6"/>
+                                        </p:tgtEl>
+                                      </p:cBhvr>
+                                    </p:cmd>
+                                  </p:childTnLst>
+                                </p:cTn>
+                              </p:par>
+                            </p:childTnLst>
+                          </p:cTn>
+                        </p:par>
+                      </p:childTnLst>
+                    </p:cTn>
+                  </p:par>
+                </p:childTnLst>
+              </p:cTn>
+              <p:prevCondLst>
+                <p:cond evt="onPrev" delay="0">
+                  <p:tgtEl>
+                    <p:sldTgt/>
+                  </p:tgtEl>
+                </p:cond>
+              </p:prevCondLst>
+              <p:nextCondLst>
+                <p:cond evt="onNext" delay="0">
+                  <p:tgtEl>
+                    <p:sldTgt/>
+                  </p:tgtEl>
+                </p:cond>
+              </p:nextCondLst>
+            </p:seq>
+            <p:video>
+              <p:cMediaNode vol="80000">
+                <p:cTn id="7" fill="hold" display="0">
+                  <p:stCondLst>
+                    <p:cond delay="indefinite"/>
+                  </p:stCondLst>
+                </p:cTn>
+                <p:tgtEl>
+                  <p:spTgt spid="6"/>
+                </p:tgtEl>
+              </p:cMediaNode>
+            </p:video>
+            <p:seq concurrent="1" nextAc="seek">
+              <p:cTn id="8" restart="whenNotActive" fill="hold" evtFilter="cancelBubble" nodeType="interactiveSeq">
+                <p:stCondLst>
+                  <p:cond evt="onClick" delay="0">
+                    <p:tgtEl>
+                      <p:spTgt spid="6"/>
+                    </p:tgtEl>
+                  </p:cond>
+                </p:stCondLst>
+                <p:endSync evt="end" delay="0">
+                  <p:rtn val="all"/>
+                </p:endSync>
+                <p:childTnLst>
+                  <p:par>
+                    <p:cTn id="9" fill="hold">
+                      <p:stCondLst>
+                        <p:cond delay="0"/>
+                      </p:stCondLst>
+                      <p:childTnLst>
+                        <p:par>
+                          <p:cTn id="10" fill="hold">
+                            <p:stCondLst>
+                              <p:cond delay="0"/>
+                            </p:stCondLst>
+                            <p:childTnLst>
+                              <p:par>
+                                <p:cTn id="11" presetID="2" presetClass="mediacall" presetSubtype="0" fill="hold" nodeType="clickEffect">
+                                  <p:stCondLst>
+                                    <p:cond delay="0"/>
+                                  </p:stCondLst>
+                                  <p:childTnLst>
+                                    <p:cmd type="call" cmd="togglePause">
+                                      <p:cBhvr>
+                                        <p:cTn id="12" dur="1" fill="hold"/>
+                                        <p:tgtEl>
+                                          <p:spTgt spid="6"/>
+                                        </p:tgtEl>
+                                      </p:cBhvr>
+                                    </p:cmd>
+                                  </p:childTnLst>
+                                </p:cTn>
+                              </p:par>
+                            </p:childTnLst>
+                          </p:cTn>
+                        </p:par>
+                      </p:childTnLst>
+                    </p:cTn>
+                  </p:par>
+                </p:childTnLst>
+              </p:cTn>
+              <p:nextCondLst>
+                <p:cond evt="onClick" delay="0">
+                  <p:tgtEl>
+                    <p:spTgt spid="6"/>
+                  </p:tgtEl>
+                </p:cond>
+              </p:nextCondLst>
+            </p:seq>
+          </p:childTnLst>
+        </p:cTn>
+      </p:par>
+    </p:tnLst>
+  </p:timing>
+</p:sld>
+</file>
+
+<file path=ppt/slides/slide6.xml><?xml version="1.0" encoding="utf-8"?>
+<p:sld xmlns:a="http://schemas.openxmlformats.org/drawingml/2006/main" xmlns:r="http://schemas.openxmlformats.org/officeDocument/2006/relationships" xmlns:p="http://schemas.openxmlformats.org/presentationml/2006/main">
+  <p:cSld>
+    <p:spTree>
+      <p:nvGrpSpPr>
+        <p:cNvPr id="1" name=""/>
+        <p:cNvGrpSpPr/>
+        <p:nvPr/>
+      </p:nvGrpSpPr>
+      <p:grpSpPr>
+        <a:xfrm>
+          <a:off x="0" y="0"/>
+          <a:ext cx="0" cy="0"/>
+          <a:chOff x="0" y="0"/>
+          <a:chExt cx="0" cy="0"/>
+        </a:xfrm>
+      </p:grpSpPr>
+      <p:sp>
+        <p:nvSpPr>
+          <p:cNvPr id="5" name="TextBox 4">
+            <a:extLst>
+              <a:ext uri="{FF2B5EF4-FFF2-40B4-BE49-F238E27FC236}">
+                <a16:creationId xmlns:a16="http://schemas.microsoft.com/office/drawing/2014/main" id="{78D9FF8D-6741-6CDE-7D28-42AB81CDC249}"/>
+              </a:ext>
+            </a:extLst>
+          </p:cNvPr>
+          <p:cNvSpPr txBox="1"/>
+          <p:nvPr/>
+        </p:nvSpPr>
+        <p:spPr>
+          <a:xfrm>
+            <a:off x="311150" y="211668"/>
+            <a:ext cx="3936110" cy="323165"/>
+          </a:xfrm>
+          <a:prstGeom prst="rect">
+            <a:avLst/>
+          </a:prstGeom>
+          <a:noFill/>
+        </p:spPr>
+        <p:txBody>
+          <a:bodyPr wrap="square" rtlCol="0">
+            <a:spAutoFit/>
+          </a:bodyPr>
+          <a:lstStyle/>
+          <a:p>
+            <a:r>
+              <a:rPr lang="ko-KR" altLang="en-US" sz="1500" dirty="0"/>
+              <a:t>스레드 </a:t>
+            </a:r>
+            <a:r>
+              <a:rPr lang="en-US" altLang="ko-KR" sz="1500" dirty="0"/>
+              <a:t>(Thread)</a:t>
+            </a:r>
+            <a:endParaRPr lang="ko-KR" altLang="en-US" sz="1500" dirty="0"/>
+          </a:p>
+        </p:txBody>
+      </p:sp>
       <p:cxnSp>
         <p:nvCxnSpPr>
-          <p:cNvPr id="3" name="직선 연결선 2">
-            <a:extLst>
-              <a:ext uri="{FF2B5EF4-FFF2-40B4-BE49-F238E27FC236}">
-                <a16:creationId xmlns:a16="http://schemas.microsoft.com/office/drawing/2014/main" id="{31807723-D110-46D1-E92E-EBBC02782BB7}"/>
-              </a:ext>
-            </a:extLst>
-          </p:cNvPr>
-          <p:cNvCxnSpPr>
-            <a:cxnSpLocks/>
-          </p:cNvCxnSpPr>
+          <p:cNvPr id="7" name="직선 연결선 6">
+            <a:extLst>
+              <a:ext uri="{FF2B5EF4-FFF2-40B4-BE49-F238E27FC236}">
+                <a16:creationId xmlns:a16="http://schemas.microsoft.com/office/drawing/2014/main" id="{396ABC2F-46EF-B557-13D1-C557F1EE561D}"/>
+              </a:ext>
+            </a:extLst>
+          </p:cNvPr>
+          <p:cNvCxnSpPr/>
           <p:nvPr/>
         </p:nvCxnSpPr>
         <p:spPr>
-          <a:xfrm flipH="1">
-            <a:off x="3770248" y="3052290"/>
-            <a:ext cx="2594911" cy="0"/>
+          <a:xfrm>
+            <a:off x="311150" y="640665"/>
+            <a:ext cx="11499850" cy="0"/>
           </a:xfrm>
           <a:prstGeom prst="line">
             <a:avLst/>
           </a:prstGeom>
-          <a:ln w="9525">
-            <a:solidFill>
-              <a:srgbClr val="FF0000"/>
-            </a:solidFill>
-          </a:ln>
         </p:spPr>
         <p:style>
           <a:lnRef idx="2">
@@ -6040,33 +5989,366 @@
           </a:fontRef>
         </p:style>
       </p:cxnSp>
+      <p:sp>
+        <p:nvSpPr>
+          <p:cNvPr id="11" name="TextBox 10">
+            <a:extLst>
+              <a:ext uri="{FF2B5EF4-FFF2-40B4-BE49-F238E27FC236}">
+                <a16:creationId xmlns:a16="http://schemas.microsoft.com/office/drawing/2014/main" id="{4160243A-E098-6A49-6DBD-1F713187DDAB}"/>
+              </a:ext>
+            </a:extLst>
+          </p:cNvPr>
+          <p:cNvSpPr txBox="1"/>
+          <p:nvPr/>
+        </p:nvSpPr>
+        <p:spPr>
+          <a:xfrm>
+            <a:off x="11482980" y="6581001"/>
+            <a:ext cx="709020" cy="276999"/>
+          </a:xfrm>
+          <a:prstGeom prst="rect">
+            <a:avLst/>
+          </a:prstGeom>
+          <a:noFill/>
+        </p:spPr>
+        <p:txBody>
+          <a:bodyPr wrap="square" rtlCol="0">
+            <a:spAutoFit/>
+          </a:bodyPr>
+          <a:lstStyle/>
+          <a:p>
+            <a:pPr algn="r"/>
+            <a:r>
+              <a:rPr lang="en-US" altLang="ko-KR" sz="1200" dirty="0"/>
+              <a:t>Ch13</a:t>
+            </a:r>
+            <a:endParaRPr lang="ko-KR" altLang="en-US" sz="1200" dirty="0"/>
+          </a:p>
+        </p:txBody>
+      </p:sp>
+      <p:pic>
+        <p:nvPicPr>
+          <p:cNvPr id="9" name="Screen_recording_20240610_075036">
+            <a:hlinkClick r:id="" action="ppaction://media"/>
+            <a:extLst>
+              <a:ext uri="{FF2B5EF4-FFF2-40B4-BE49-F238E27FC236}">
+                <a16:creationId xmlns:a16="http://schemas.microsoft.com/office/drawing/2014/main" id="{F67F7155-E6DB-5869-C946-0EF15917A1AD}"/>
+              </a:ext>
+            </a:extLst>
+          </p:cNvPr>
+          <p:cNvPicPr>
+            <a:picLocks noChangeAspect="1"/>
+          </p:cNvPicPr>
+          <p:nvPr>
+            <a:videoFile r:link="rId2"/>
+            <p:extLst>
+              <p:ext uri="{DAA4B4D4-6D71-4841-9C94-3DE7FCFB9230}">
+                <p14:media xmlns:p14="http://schemas.microsoft.com/office/powerpoint/2010/main" r:embed="rId1"/>
+              </p:ext>
+            </p:extLst>
+          </p:nvPr>
+        </p:nvPicPr>
+        <p:blipFill>
+          <a:blip r:embed="rId5"/>
+          <a:stretch>
+            <a:fillRect/>
+          </a:stretch>
+        </p:blipFill>
+        <p:spPr>
+          <a:xfrm>
+            <a:off x="9214457" y="746498"/>
+            <a:ext cx="2596543" cy="4616077"/>
+          </a:xfrm>
+          <a:prstGeom prst="rect">
+            <a:avLst/>
+          </a:prstGeom>
+        </p:spPr>
+      </p:pic>
+      <p:pic>
+        <p:nvPicPr>
+          <p:cNvPr id="13" name="그림 12">
+            <a:extLst>
+              <a:ext uri="{FF2B5EF4-FFF2-40B4-BE49-F238E27FC236}">
+                <a16:creationId xmlns:a16="http://schemas.microsoft.com/office/drawing/2014/main" id="{70E98778-C490-6F95-3754-7828DF18C8DF}"/>
+              </a:ext>
+            </a:extLst>
+          </p:cNvPr>
+          <p:cNvPicPr>
+            <a:picLocks noChangeAspect="1"/>
+          </p:cNvPicPr>
+          <p:nvPr/>
+        </p:nvPicPr>
+        <p:blipFill>
+          <a:blip r:embed="rId6"/>
+          <a:stretch>
+            <a:fillRect/>
+          </a:stretch>
+        </p:blipFill>
+        <p:spPr>
+          <a:xfrm>
+            <a:off x="2123690" y="1042654"/>
+            <a:ext cx="3181736" cy="2748362"/>
+          </a:xfrm>
+          <a:prstGeom prst="rect">
+            <a:avLst/>
+          </a:prstGeom>
+        </p:spPr>
+      </p:pic>
+      <p:pic>
+        <p:nvPicPr>
+          <p:cNvPr id="17" name="그림 16">
+            <a:extLst>
+              <a:ext uri="{FF2B5EF4-FFF2-40B4-BE49-F238E27FC236}">
+                <a16:creationId xmlns:a16="http://schemas.microsoft.com/office/drawing/2014/main" id="{EFC2DD88-4DCC-B234-5114-5ECBED44ED42}"/>
+              </a:ext>
+            </a:extLst>
+          </p:cNvPr>
+          <p:cNvPicPr>
+            <a:picLocks noChangeAspect="1"/>
+          </p:cNvPicPr>
+          <p:nvPr/>
+        </p:nvPicPr>
+        <p:blipFill>
+          <a:blip r:embed="rId7"/>
+          <a:stretch>
+            <a:fillRect/>
+          </a:stretch>
+        </p:blipFill>
+        <p:spPr>
+          <a:xfrm>
+            <a:off x="5898604" y="866569"/>
+            <a:ext cx="2492921" cy="5350766"/>
+          </a:xfrm>
+          <a:prstGeom prst="rect">
+            <a:avLst/>
+          </a:prstGeom>
+        </p:spPr>
+      </p:pic>
+    </p:spTree>
+    <p:extLst>
+      <p:ext uri="{BB962C8B-B14F-4D97-AF65-F5344CB8AC3E}">
+        <p14:creationId xmlns:p14="http://schemas.microsoft.com/office/powerpoint/2010/main" val="1276586077"/>
+      </p:ext>
+    </p:extLst>
+  </p:cSld>
+  <p:clrMapOvr>
+    <a:masterClrMapping/>
+  </p:clrMapOvr>
+  <p:timing>
+    <p:tnLst>
+      <p:par>
+        <p:cTn id="1" dur="indefinite" restart="never" nodeType="tmRoot">
+          <p:childTnLst>
+            <p:seq concurrent="1" nextAc="seek">
+              <p:cTn id="2" dur="indefinite" nodeType="mainSeq">
+                <p:childTnLst>
+                  <p:par>
+                    <p:cTn id="3" fill="hold">
+                      <p:stCondLst>
+                        <p:cond delay="indefinite"/>
+                      </p:stCondLst>
+                      <p:childTnLst>
+                        <p:par>
+                          <p:cTn id="4" fill="hold">
+                            <p:stCondLst>
+                              <p:cond delay="0"/>
+                            </p:stCondLst>
+                            <p:childTnLst>
+                              <p:par>
+                                <p:cTn id="5" presetID="1" presetClass="mediacall" presetSubtype="0" fill="hold" nodeType="clickEffect">
+                                  <p:stCondLst>
+                                    <p:cond delay="0"/>
+                                  </p:stCondLst>
+                                  <p:childTnLst>
+                                    <p:cmd type="call" cmd="playFrom(0.0)">
+                                      <p:cBhvr>
+                                        <p:cTn id="6" dur="2204" fill="hold"/>
+                                        <p:tgtEl>
+                                          <p:spTgt spid="9"/>
+                                        </p:tgtEl>
+                                      </p:cBhvr>
+                                    </p:cmd>
+                                  </p:childTnLst>
+                                </p:cTn>
+                              </p:par>
+                            </p:childTnLst>
+                          </p:cTn>
+                        </p:par>
+                      </p:childTnLst>
+                    </p:cTn>
+                  </p:par>
+                </p:childTnLst>
+              </p:cTn>
+              <p:prevCondLst>
+                <p:cond evt="onPrev" delay="0">
+                  <p:tgtEl>
+                    <p:sldTgt/>
+                  </p:tgtEl>
+                </p:cond>
+              </p:prevCondLst>
+              <p:nextCondLst>
+                <p:cond evt="onNext" delay="0">
+                  <p:tgtEl>
+                    <p:sldTgt/>
+                  </p:tgtEl>
+                </p:cond>
+              </p:nextCondLst>
+            </p:seq>
+            <p:video>
+              <p:cMediaNode vol="80000">
+                <p:cTn id="7" fill="hold" display="0">
+                  <p:stCondLst>
+                    <p:cond delay="indefinite"/>
+                  </p:stCondLst>
+                </p:cTn>
+                <p:tgtEl>
+                  <p:spTgt spid="9"/>
+                </p:tgtEl>
+              </p:cMediaNode>
+            </p:video>
+            <p:seq concurrent="1" nextAc="seek">
+              <p:cTn id="8" restart="whenNotActive" fill="hold" evtFilter="cancelBubble" nodeType="interactiveSeq">
+                <p:stCondLst>
+                  <p:cond evt="onClick" delay="0">
+                    <p:tgtEl>
+                      <p:spTgt spid="9"/>
+                    </p:tgtEl>
+                  </p:cond>
+                </p:stCondLst>
+                <p:endSync evt="end" delay="0">
+                  <p:rtn val="all"/>
+                </p:endSync>
+                <p:childTnLst>
+                  <p:par>
+                    <p:cTn id="9" fill="hold">
+                      <p:stCondLst>
+                        <p:cond delay="0"/>
+                      </p:stCondLst>
+                      <p:childTnLst>
+                        <p:par>
+                          <p:cTn id="10" fill="hold">
+                            <p:stCondLst>
+                              <p:cond delay="0"/>
+                            </p:stCondLst>
+                            <p:childTnLst>
+                              <p:par>
+                                <p:cTn id="11" presetID="2" presetClass="mediacall" presetSubtype="0" fill="hold" nodeType="clickEffect">
+                                  <p:stCondLst>
+                                    <p:cond delay="0"/>
+                                  </p:stCondLst>
+                                  <p:childTnLst>
+                                    <p:cmd type="call" cmd="togglePause">
+                                      <p:cBhvr>
+                                        <p:cTn id="12" dur="1" fill="hold"/>
+                                        <p:tgtEl>
+                                          <p:spTgt spid="9"/>
+                                        </p:tgtEl>
+                                      </p:cBhvr>
+                                    </p:cmd>
+                                  </p:childTnLst>
+                                </p:cTn>
+                              </p:par>
+                            </p:childTnLst>
+                          </p:cTn>
+                        </p:par>
+                      </p:childTnLst>
+                    </p:cTn>
+                  </p:par>
+                </p:childTnLst>
+              </p:cTn>
+              <p:nextCondLst>
+                <p:cond evt="onClick" delay="0">
+                  <p:tgtEl>
+                    <p:spTgt spid="9"/>
+                  </p:tgtEl>
+                </p:cond>
+              </p:nextCondLst>
+            </p:seq>
+          </p:childTnLst>
+        </p:cTn>
+      </p:par>
+    </p:tnLst>
+  </p:timing>
+</p:sld>
+</file>
+
+<file path=ppt/slides/slide7.xml><?xml version="1.0" encoding="utf-8"?>
+<p:sld xmlns:a="http://schemas.openxmlformats.org/drawingml/2006/main" xmlns:r="http://schemas.openxmlformats.org/officeDocument/2006/relationships" xmlns:p="http://schemas.openxmlformats.org/presentationml/2006/main">
+  <p:cSld>
+    <p:spTree>
+      <p:nvGrpSpPr>
+        <p:cNvPr id="1" name=""/>
+        <p:cNvGrpSpPr/>
+        <p:nvPr/>
+      </p:nvGrpSpPr>
+      <p:grpSpPr>
+        <a:xfrm>
+          <a:off x="0" y="0"/>
+          <a:ext cx="0" cy="0"/>
+          <a:chOff x="0" y="0"/>
+          <a:chExt cx="0" cy="0"/>
+        </a:xfrm>
+      </p:grpSpPr>
+      <p:sp>
+        <p:nvSpPr>
+          <p:cNvPr id="5" name="TextBox 4">
+            <a:extLst>
+              <a:ext uri="{FF2B5EF4-FFF2-40B4-BE49-F238E27FC236}">
+                <a16:creationId xmlns:a16="http://schemas.microsoft.com/office/drawing/2014/main" id="{78D9FF8D-6741-6CDE-7D28-42AB81CDC249}"/>
+              </a:ext>
+            </a:extLst>
+          </p:cNvPr>
+          <p:cNvSpPr txBox="1"/>
+          <p:nvPr/>
+        </p:nvSpPr>
+        <p:spPr>
+          <a:xfrm>
+            <a:off x="311150" y="211668"/>
+            <a:ext cx="3936110" cy="323165"/>
+          </a:xfrm>
+          <a:prstGeom prst="rect">
+            <a:avLst/>
+          </a:prstGeom>
+          <a:noFill/>
+        </p:spPr>
+        <p:txBody>
+          <a:bodyPr wrap="square" rtlCol="0">
+            <a:spAutoFit/>
+          </a:bodyPr>
+          <a:lstStyle/>
+          <a:p>
+            <a:r>
+              <a:rPr lang="ko-KR" altLang="en-US" sz="1500" dirty="0"/>
+              <a:t>서비스 </a:t>
+            </a:r>
+            <a:r>
+              <a:rPr lang="en-US" altLang="ko-KR" sz="1500" dirty="0"/>
+              <a:t>(Service)</a:t>
+            </a:r>
+            <a:endParaRPr lang="ko-KR" altLang="en-US" sz="1500" dirty="0"/>
+          </a:p>
+        </p:txBody>
+      </p:sp>
       <p:cxnSp>
         <p:nvCxnSpPr>
-          <p:cNvPr id="6" name="직선 연결선 5">
-            <a:extLst>
-              <a:ext uri="{FF2B5EF4-FFF2-40B4-BE49-F238E27FC236}">
-                <a16:creationId xmlns:a16="http://schemas.microsoft.com/office/drawing/2014/main" id="{35085EF6-BA29-CBA9-726C-FC35DED014FF}"/>
-              </a:ext>
-            </a:extLst>
-          </p:cNvPr>
-          <p:cNvCxnSpPr>
-            <a:cxnSpLocks/>
-          </p:cNvCxnSpPr>
+          <p:cNvPr id="7" name="직선 연결선 6">
+            <a:extLst>
+              <a:ext uri="{FF2B5EF4-FFF2-40B4-BE49-F238E27FC236}">
+                <a16:creationId xmlns:a16="http://schemas.microsoft.com/office/drawing/2014/main" id="{396ABC2F-46EF-B557-13D1-C557F1EE561D}"/>
+              </a:ext>
+            </a:extLst>
+          </p:cNvPr>
+          <p:cNvCxnSpPr/>
           <p:nvPr/>
         </p:nvCxnSpPr>
         <p:spPr>
-          <a:xfrm flipH="1">
-            <a:off x="3770248" y="3378021"/>
-            <a:ext cx="2594911" cy="0"/>
+          <a:xfrm>
+            <a:off x="311150" y="640665"/>
+            <a:ext cx="11499850" cy="0"/>
           </a:xfrm>
           <a:prstGeom prst="line">
             <a:avLst/>
           </a:prstGeom>
-          <a:ln w="9525">
-            <a:solidFill>
-              <a:srgbClr val="FF0000"/>
-            </a:solidFill>
-          </a:ln>
         </p:spPr>
         <p:style>
           <a:lnRef idx="2">
@@ -6085,10 +6367,10 @@
       </p:cxnSp>
       <p:sp>
         <p:nvSpPr>
-          <p:cNvPr id="10" name="TextBox 9">
-            <a:extLst>
-              <a:ext uri="{FF2B5EF4-FFF2-40B4-BE49-F238E27FC236}">
-                <a16:creationId xmlns:a16="http://schemas.microsoft.com/office/drawing/2014/main" id="{1F5F4A6A-4FCB-807D-DDF2-BB4350FCC820}"/>
+          <p:cNvPr id="11" name="TextBox 10">
+            <a:extLst>
+              <a:ext uri="{FF2B5EF4-FFF2-40B4-BE49-F238E27FC236}">
+                <a16:creationId xmlns:a16="http://schemas.microsoft.com/office/drawing/2014/main" id="{4160243A-E098-6A49-6DBD-1F713187DDAB}"/>
               </a:ext>
             </a:extLst>
           </p:cNvPr>
@@ -6097,8 +6379,8 @@
         </p:nvSpPr>
         <p:spPr>
           <a:xfrm>
-            <a:off x="6589618" y="2736394"/>
-            <a:ext cx="2180081" cy="437877"/>
+            <a:off x="11482980" y="6581001"/>
+            <a:ext cx="709020" cy="276999"/>
           </a:xfrm>
           <a:prstGeom prst="rect">
             <a:avLst/>
@@ -6111,1020 +6393,12 @@
           </a:bodyPr>
           <a:lstStyle/>
           <a:p>
-            <a:pPr>
-              <a:lnSpc>
-                <a:spcPct val="150000"/>
-              </a:lnSpc>
-            </a:pPr>
-            <a:r>
-              <a:rPr lang="en-US" altLang="ko-KR" sz="800" dirty="0"/>
-              <a:t>Service</a:t>
-            </a:r>
-            <a:r>
-              <a:rPr lang="ko-KR" altLang="en-US" sz="800" dirty="0"/>
-              <a:t>를 시작</a:t>
-            </a:r>
-            <a:endParaRPr lang="en-US" altLang="ko-KR" sz="800" dirty="0"/>
-          </a:p>
-          <a:p>
-            <a:pPr marL="171450" indent="-171450">
-              <a:lnSpc>
-                <a:spcPct val="150000"/>
-              </a:lnSpc>
-              <a:buFontTx/>
-              <a:buChar char="-"/>
-            </a:pPr>
-            <a:r>
-              <a:rPr lang="ko-KR" altLang="en-US" sz="800" dirty="0"/>
-              <a:t>인텐트에 어떤 서비스를 시작할지 기술</a:t>
-            </a:r>
-            <a:endParaRPr lang="en-US" altLang="ko-KR" sz="800" dirty="0"/>
-          </a:p>
-        </p:txBody>
-      </p:sp>
-      <p:cxnSp>
-        <p:nvCxnSpPr>
-          <p:cNvPr id="12" name="직선 화살표 연결선 11">
-            <a:extLst>
-              <a:ext uri="{FF2B5EF4-FFF2-40B4-BE49-F238E27FC236}">
-                <a16:creationId xmlns:a16="http://schemas.microsoft.com/office/drawing/2014/main" id="{09E81746-3719-6D3E-792E-BC9332444314}"/>
-              </a:ext>
-            </a:extLst>
-          </p:cNvPr>
-          <p:cNvCxnSpPr>
-            <a:cxnSpLocks/>
-          </p:cNvCxnSpPr>
-          <p:nvPr/>
-        </p:nvCxnSpPr>
-        <p:spPr>
-          <a:xfrm flipH="1">
-            <a:off x="6293188" y="2861431"/>
-            <a:ext cx="347044" cy="136859"/>
-          </a:xfrm>
-          <a:prstGeom prst="straightConnector1">
-            <a:avLst/>
-          </a:prstGeom>
-          <a:ln>
-            <a:solidFill>
-              <a:srgbClr val="FF0000"/>
-            </a:solidFill>
-            <a:tailEnd type="triangle"/>
-          </a:ln>
-        </p:spPr>
-        <p:style>
-          <a:lnRef idx="2">
-            <a:schemeClr val="accent1"/>
-          </a:lnRef>
-          <a:fillRef idx="0">
-            <a:schemeClr val="accent1"/>
-          </a:fillRef>
-          <a:effectRef idx="1">
-            <a:schemeClr val="accent1"/>
-          </a:effectRef>
-          <a:fontRef idx="minor">
-            <a:schemeClr val="tx1"/>
-          </a:fontRef>
-        </p:style>
-      </p:cxnSp>
-      <p:sp>
-        <p:nvSpPr>
-          <p:cNvPr id="17" name="TextBox 16">
-            <a:extLst>
-              <a:ext uri="{FF2B5EF4-FFF2-40B4-BE49-F238E27FC236}">
-                <a16:creationId xmlns:a16="http://schemas.microsoft.com/office/drawing/2014/main" id="{7C3B89FF-E3AD-EE16-5600-D544DA541805}"/>
-              </a:ext>
-            </a:extLst>
-          </p:cNvPr>
-          <p:cNvSpPr txBox="1"/>
-          <p:nvPr/>
-        </p:nvSpPr>
-        <p:spPr>
-          <a:xfrm>
-            <a:off x="6756975" y="3841598"/>
-            <a:ext cx="2180081" cy="253211"/>
-          </a:xfrm>
-          <a:prstGeom prst="rect">
-            <a:avLst/>
-          </a:prstGeom>
-          <a:noFill/>
-        </p:spPr>
-        <p:txBody>
-          <a:bodyPr wrap="square" rtlCol="0">
-            <a:spAutoFit/>
-          </a:bodyPr>
-          <a:lstStyle/>
-          <a:p>
-            <a:pPr>
-              <a:lnSpc>
-                <a:spcPct val="150000"/>
-              </a:lnSpc>
-            </a:pPr>
-            <a:r>
-              <a:rPr lang="en-US" altLang="ko-KR" sz="800" dirty="0"/>
-              <a:t>Start</a:t>
-            </a:r>
-          </a:p>
-        </p:txBody>
-      </p:sp>
-      <p:cxnSp>
-        <p:nvCxnSpPr>
-          <p:cNvPr id="18" name="직선 화살표 연결선 17">
-            <a:extLst>
-              <a:ext uri="{FF2B5EF4-FFF2-40B4-BE49-F238E27FC236}">
-                <a16:creationId xmlns:a16="http://schemas.microsoft.com/office/drawing/2014/main" id="{15EBEDC1-A5CD-B5A1-E47D-F10B1239EF09}"/>
-              </a:ext>
-            </a:extLst>
-          </p:cNvPr>
-          <p:cNvCxnSpPr>
-            <a:cxnSpLocks/>
-          </p:cNvCxnSpPr>
-          <p:nvPr/>
-        </p:nvCxnSpPr>
-        <p:spPr>
-          <a:xfrm flipH="1">
-            <a:off x="6318168" y="3321166"/>
-            <a:ext cx="322064" cy="0"/>
-          </a:xfrm>
-          <a:prstGeom prst="straightConnector1">
-            <a:avLst/>
-          </a:prstGeom>
-          <a:ln>
-            <a:solidFill>
-              <a:srgbClr val="FF0000"/>
-            </a:solidFill>
-            <a:tailEnd type="triangle"/>
-          </a:ln>
-        </p:spPr>
-        <p:style>
-          <a:lnRef idx="2">
-            <a:schemeClr val="accent1"/>
-          </a:lnRef>
-          <a:fillRef idx="0">
-            <a:schemeClr val="accent1"/>
-          </a:fillRef>
-          <a:effectRef idx="1">
-            <a:schemeClr val="accent1"/>
-          </a:effectRef>
-          <a:fontRef idx="minor">
-            <a:schemeClr val="tx1"/>
-          </a:fontRef>
-        </p:style>
-      </p:cxnSp>
-      <p:sp>
-        <p:nvSpPr>
-          <p:cNvPr id="21" name="직사각형 20">
-            <a:extLst>
-              <a:ext uri="{FF2B5EF4-FFF2-40B4-BE49-F238E27FC236}">
-                <a16:creationId xmlns:a16="http://schemas.microsoft.com/office/drawing/2014/main" id="{E3469466-1BE4-1846-4200-AB94470FF500}"/>
-              </a:ext>
-            </a:extLst>
-          </p:cNvPr>
-          <p:cNvSpPr/>
-          <p:nvPr/>
-        </p:nvSpPr>
-        <p:spPr>
-          <a:xfrm>
-            <a:off x="3417941" y="4835525"/>
-            <a:ext cx="2947217" cy="508000"/>
-          </a:xfrm>
-          <a:prstGeom prst="rect">
-            <a:avLst/>
-          </a:prstGeom>
-          <a:noFill/>
-          <a:ln w="9525">
-            <a:solidFill>
-              <a:srgbClr val="FF0000"/>
-            </a:solidFill>
-          </a:ln>
-        </p:spPr>
-        <p:style>
-          <a:lnRef idx="2">
-            <a:schemeClr val="accent1">
-              <a:shade val="15000"/>
-            </a:schemeClr>
-          </a:lnRef>
-          <a:fillRef idx="1">
-            <a:schemeClr val="accent1"/>
-          </a:fillRef>
-          <a:effectRef idx="0">
-            <a:schemeClr val="accent1"/>
-          </a:effectRef>
-          <a:fontRef idx="minor">
-            <a:schemeClr val="lt1"/>
-          </a:fontRef>
-        </p:style>
-        <p:txBody>
-          <a:bodyPr rtlCol="0" anchor="ctr"/>
-          <a:lstStyle/>
-          <a:p>
-            <a:pPr algn="ctr"/>
-            <a:endParaRPr lang="ko-KR" altLang="en-US"/>
-          </a:p>
-        </p:txBody>
-      </p:sp>
-      <p:sp>
-        <p:nvSpPr>
-          <p:cNvPr id="23" name="직사각형 22">
-            <a:extLst>
-              <a:ext uri="{FF2B5EF4-FFF2-40B4-BE49-F238E27FC236}">
-                <a16:creationId xmlns:a16="http://schemas.microsoft.com/office/drawing/2014/main" id="{006DDC3F-203B-438F-1556-DFD80E2AC693}"/>
-              </a:ext>
-            </a:extLst>
-          </p:cNvPr>
-          <p:cNvSpPr/>
-          <p:nvPr/>
-        </p:nvSpPr>
-        <p:spPr>
-          <a:xfrm>
-            <a:off x="3417941" y="5518760"/>
-            <a:ext cx="2947217" cy="436900"/>
-          </a:xfrm>
-          <a:prstGeom prst="rect">
-            <a:avLst/>
-          </a:prstGeom>
-          <a:noFill/>
-          <a:ln w="9525">
-            <a:solidFill>
-              <a:srgbClr val="00FFFF"/>
-            </a:solidFill>
-          </a:ln>
-        </p:spPr>
-        <p:style>
-          <a:lnRef idx="2">
-            <a:schemeClr val="accent1">
-              <a:shade val="15000"/>
-            </a:schemeClr>
-          </a:lnRef>
-          <a:fillRef idx="1">
-            <a:schemeClr val="accent1"/>
-          </a:fillRef>
-          <a:effectRef idx="0">
-            <a:schemeClr val="accent1"/>
-          </a:effectRef>
-          <a:fontRef idx="minor">
-            <a:schemeClr val="lt1"/>
-          </a:fontRef>
-        </p:style>
-        <p:txBody>
-          <a:bodyPr rtlCol="0" anchor="ctr"/>
-          <a:lstStyle/>
-          <a:p>
-            <a:pPr algn="ctr"/>
-            <a:endParaRPr lang="ko-KR" altLang="en-US"/>
-          </a:p>
-        </p:txBody>
-      </p:sp>
-      <p:pic>
-        <p:nvPicPr>
-          <p:cNvPr id="28" name="그림 27">
-            <a:extLst>
-              <a:ext uri="{FF2B5EF4-FFF2-40B4-BE49-F238E27FC236}">
-                <a16:creationId xmlns:a16="http://schemas.microsoft.com/office/drawing/2014/main" id="{52DD8EA2-B96C-A4D1-8FE8-D433178E1F27}"/>
-              </a:ext>
-            </a:extLst>
-          </p:cNvPr>
-          <p:cNvPicPr>
-            <a:picLocks noChangeAspect="1"/>
-          </p:cNvPicPr>
-          <p:nvPr/>
-        </p:nvPicPr>
-        <p:blipFill>
-          <a:blip r:embed="rId7">
-            <a:extLst>
-              <a:ext uri="{28A0092B-C50C-407E-A947-70E740481C1C}">
-                <a14:useLocalDpi xmlns:a14="http://schemas.microsoft.com/office/drawing/2010/main" val="0"/>
-              </a:ext>
-            </a:extLst>
-          </a:blip>
-          <a:srcRect/>
-          <a:stretch/>
-        </p:blipFill>
-        <p:spPr>
-          <a:xfrm>
-            <a:off x="10248391" y="859602"/>
-            <a:ext cx="1440000" cy="2880000"/>
-          </a:xfrm>
-          <a:prstGeom prst="rect">
-            <a:avLst/>
-          </a:prstGeom>
-        </p:spPr>
-      </p:pic>
-      <p:pic>
-        <p:nvPicPr>
-          <p:cNvPr id="29" name="그림 28">
-            <a:extLst>
-              <a:ext uri="{FF2B5EF4-FFF2-40B4-BE49-F238E27FC236}">
-                <a16:creationId xmlns:a16="http://schemas.microsoft.com/office/drawing/2014/main" id="{D9FA1F83-1D5C-CE16-B31D-5AF795DE2E8D}"/>
-              </a:ext>
-            </a:extLst>
-          </p:cNvPr>
-          <p:cNvPicPr>
-            <a:picLocks noChangeAspect="1"/>
-          </p:cNvPicPr>
-          <p:nvPr/>
-        </p:nvPicPr>
-        <p:blipFill>
-          <a:blip r:embed="rId8">
-            <a:extLst>
-              <a:ext uri="{28A0092B-C50C-407E-A947-70E740481C1C}">
-                <a14:useLocalDpi xmlns:a14="http://schemas.microsoft.com/office/drawing/2010/main" val="0"/>
-              </a:ext>
-            </a:extLst>
-          </a:blip>
-          <a:srcRect/>
-          <a:stretch/>
-        </p:blipFill>
-        <p:spPr>
-          <a:xfrm>
-            <a:off x="8731695" y="859602"/>
-            <a:ext cx="1438720" cy="2880000"/>
-          </a:xfrm>
-          <a:prstGeom prst="rect">
-            <a:avLst/>
-          </a:prstGeom>
-        </p:spPr>
-      </p:pic>
-      <p:sp>
-        <p:nvSpPr>
-          <p:cNvPr id="30" name="직사각형 29">
-            <a:extLst>
-              <a:ext uri="{FF2B5EF4-FFF2-40B4-BE49-F238E27FC236}">
-                <a16:creationId xmlns:a16="http://schemas.microsoft.com/office/drawing/2014/main" id="{424C8D2C-E616-2893-8C75-AF27D628CD87}"/>
-              </a:ext>
-            </a:extLst>
-          </p:cNvPr>
-          <p:cNvSpPr/>
-          <p:nvPr/>
-        </p:nvSpPr>
-        <p:spPr>
-          <a:xfrm>
-            <a:off x="8731695" y="1122790"/>
-            <a:ext cx="1440000" cy="153986"/>
-          </a:xfrm>
-          <a:prstGeom prst="rect">
-            <a:avLst/>
-          </a:prstGeom>
-          <a:noFill/>
-          <a:ln w="9525">
-            <a:solidFill>
-              <a:srgbClr val="FF0000"/>
-            </a:solidFill>
-          </a:ln>
-        </p:spPr>
-        <p:style>
-          <a:lnRef idx="2">
-            <a:schemeClr val="accent1">
-              <a:shade val="15000"/>
-            </a:schemeClr>
-          </a:lnRef>
-          <a:fillRef idx="1">
-            <a:schemeClr val="accent1"/>
-          </a:fillRef>
-          <a:effectRef idx="0">
-            <a:schemeClr val="accent1"/>
-          </a:effectRef>
-          <a:fontRef idx="minor">
-            <a:schemeClr val="lt1"/>
-          </a:fontRef>
-        </p:style>
-        <p:txBody>
-          <a:bodyPr rtlCol="0" anchor="ctr"/>
-          <a:lstStyle/>
-          <a:p>
-            <a:pPr algn="ctr"/>
-            <a:endParaRPr lang="ko-KR" altLang="en-US"/>
-          </a:p>
-        </p:txBody>
-      </p:sp>
-      <p:sp>
-        <p:nvSpPr>
-          <p:cNvPr id="31" name="직사각형 30">
-            <a:extLst>
-              <a:ext uri="{FF2B5EF4-FFF2-40B4-BE49-F238E27FC236}">
-                <a16:creationId xmlns:a16="http://schemas.microsoft.com/office/drawing/2014/main" id="{F98C6FC4-DD76-472A-C3A5-5BEC53699CBE}"/>
-              </a:ext>
-            </a:extLst>
-          </p:cNvPr>
-          <p:cNvSpPr/>
-          <p:nvPr/>
-        </p:nvSpPr>
-        <p:spPr>
-          <a:xfrm>
-            <a:off x="10248391" y="1299002"/>
-            <a:ext cx="1440000" cy="153986"/>
-          </a:xfrm>
-          <a:prstGeom prst="rect">
-            <a:avLst/>
-          </a:prstGeom>
-          <a:noFill/>
-          <a:ln w="9525">
-            <a:solidFill>
-              <a:srgbClr val="FF0000"/>
-            </a:solidFill>
-          </a:ln>
-        </p:spPr>
-        <p:style>
-          <a:lnRef idx="2">
-            <a:schemeClr val="accent1">
-              <a:shade val="15000"/>
-            </a:schemeClr>
-          </a:lnRef>
-          <a:fillRef idx="1">
-            <a:schemeClr val="accent1"/>
-          </a:fillRef>
-          <a:effectRef idx="0">
-            <a:schemeClr val="accent1"/>
-          </a:effectRef>
-          <a:fontRef idx="minor">
-            <a:schemeClr val="lt1"/>
-          </a:fontRef>
-        </p:style>
-        <p:txBody>
-          <a:bodyPr rtlCol="0" anchor="ctr"/>
-          <a:lstStyle/>
-          <a:p>
-            <a:pPr algn="ctr"/>
-            <a:endParaRPr lang="ko-KR" altLang="en-US"/>
-          </a:p>
-        </p:txBody>
-      </p:sp>
-      <p:cxnSp>
-        <p:nvCxnSpPr>
-          <p:cNvPr id="32" name="직선 화살표 연결선 31">
-            <a:extLst>
-              <a:ext uri="{FF2B5EF4-FFF2-40B4-BE49-F238E27FC236}">
-                <a16:creationId xmlns:a16="http://schemas.microsoft.com/office/drawing/2014/main" id="{3AF93F68-18D8-A1CF-DFE1-997DE2B3F701}"/>
-              </a:ext>
-            </a:extLst>
-          </p:cNvPr>
-          <p:cNvCxnSpPr>
-            <a:cxnSpLocks/>
-            <a:stCxn id="30" idx="2"/>
-          </p:cNvCxnSpPr>
-          <p:nvPr/>
-        </p:nvCxnSpPr>
-        <p:spPr>
-          <a:xfrm>
-            <a:off x="9451695" y="1276776"/>
-            <a:ext cx="0" cy="2037390"/>
-          </a:xfrm>
-          <a:prstGeom prst="straightConnector1">
-            <a:avLst/>
-          </a:prstGeom>
-          <a:ln>
-            <a:solidFill>
-              <a:srgbClr val="FF0000"/>
-            </a:solidFill>
-            <a:tailEnd type="triangle"/>
-          </a:ln>
-        </p:spPr>
-        <p:style>
-          <a:lnRef idx="2">
-            <a:schemeClr val="accent1"/>
-          </a:lnRef>
-          <a:fillRef idx="0">
-            <a:schemeClr val="accent1"/>
-          </a:fillRef>
-          <a:effectRef idx="1">
-            <a:schemeClr val="accent1"/>
-          </a:effectRef>
-          <a:fontRef idx="minor">
-            <a:schemeClr val="tx1"/>
-          </a:fontRef>
-        </p:style>
-      </p:cxnSp>
-      <p:cxnSp>
-        <p:nvCxnSpPr>
-          <p:cNvPr id="36" name="직선 화살표 연결선 35">
-            <a:extLst>
-              <a:ext uri="{FF2B5EF4-FFF2-40B4-BE49-F238E27FC236}">
-                <a16:creationId xmlns:a16="http://schemas.microsoft.com/office/drawing/2014/main" id="{06097ADA-9A68-8466-D58D-EAB72D768522}"/>
-              </a:ext>
-            </a:extLst>
-          </p:cNvPr>
-          <p:cNvCxnSpPr>
-            <a:cxnSpLocks/>
-            <a:stCxn id="31" idx="2"/>
-          </p:cNvCxnSpPr>
-          <p:nvPr/>
-        </p:nvCxnSpPr>
-        <p:spPr>
-          <a:xfrm>
-            <a:off x="10968391" y="1452988"/>
-            <a:ext cx="0" cy="1861178"/>
-          </a:xfrm>
-          <a:prstGeom prst="straightConnector1">
-            <a:avLst/>
-          </a:prstGeom>
-          <a:ln>
-            <a:solidFill>
-              <a:srgbClr val="FF0000"/>
-            </a:solidFill>
-            <a:tailEnd type="triangle"/>
-          </a:ln>
-        </p:spPr>
-        <p:style>
-          <a:lnRef idx="2">
-            <a:schemeClr val="accent1"/>
-          </a:lnRef>
-          <a:fillRef idx="0">
-            <a:schemeClr val="accent1"/>
-          </a:fillRef>
-          <a:effectRef idx="1">
-            <a:schemeClr val="accent1"/>
-          </a:effectRef>
-          <a:fontRef idx="minor">
-            <a:schemeClr val="tx1"/>
-          </a:fontRef>
-        </p:style>
-      </p:cxnSp>
-      <p:grpSp>
-        <p:nvGrpSpPr>
-          <p:cNvPr id="45" name="그룹 44">
-            <a:extLst>
-              <a:ext uri="{FF2B5EF4-FFF2-40B4-BE49-F238E27FC236}">
-                <a16:creationId xmlns:a16="http://schemas.microsoft.com/office/drawing/2014/main" id="{C2E78724-99B9-EAC5-D481-7FDF0831FCA1}"/>
-              </a:ext>
-            </a:extLst>
-          </p:cNvPr>
-          <p:cNvGrpSpPr/>
-          <p:nvPr/>
-        </p:nvGrpSpPr>
-        <p:grpSpPr>
-          <a:xfrm>
-            <a:off x="6756976" y="4091985"/>
-            <a:ext cx="4931415" cy="367501"/>
-            <a:chOff x="311150" y="5087479"/>
-            <a:chExt cx="4099947" cy="305538"/>
-          </a:xfrm>
-        </p:grpSpPr>
-        <p:pic>
-          <p:nvPicPr>
-            <p:cNvPr id="43" name="그림 42">
-              <a:extLst>
-                <a:ext uri="{FF2B5EF4-FFF2-40B4-BE49-F238E27FC236}">
-                  <a16:creationId xmlns:a16="http://schemas.microsoft.com/office/drawing/2014/main" id="{502FC690-74A0-BE99-FAE9-EBC9F86A27A4}"/>
-                </a:ext>
-              </a:extLst>
-            </p:cNvPr>
-            <p:cNvPicPr>
-              <a:picLocks noChangeAspect="1"/>
-            </p:cNvPicPr>
-            <p:nvPr/>
-          </p:nvPicPr>
-          <p:blipFill rotWithShape="1">
-            <a:blip r:embed="rId9"/>
-            <a:srcRect b="43817"/>
-            <a:stretch/>
-          </p:blipFill>
-          <p:spPr>
-            <a:xfrm>
-              <a:off x="311150" y="5087479"/>
-              <a:ext cx="4099947" cy="226246"/>
-            </a:xfrm>
-            <a:prstGeom prst="rect">
-              <a:avLst/>
-            </a:prstGeom>
-          </p:spPr>
-        </p:pic>
-        <p:pic>
-          <p:nvPicPr>
-            <p:cNvPr id="44" name="그림 43">
-              <a:extLst>
-                <a:ext uri="{FF2B5EF4-FFF2-40B4-BE49-F238E27FC236}">
-                  <a16:creationId xmlns:a16="http://schemas.microsoft.com/office/drawing/2014/main" id="{3537C2D5-48A8-C0DD-4D07-5B8916D897F2}"/>
-                </a:ext>
-              </a:extLst>
-            </p:cNvPr>
-            <p:cNvPicPr>
-              <a:picLocks noChangeAspect="1"/>
-            </p:cNvPicPr>
-            <p:nvPr/>
-          </p:nvPicPr>
-          <p:blipFill rotWithShape="1">
-            <a:blip r:embed="rId9"/>
-            <a:srcRect t="75420"/>
-            <a:stretch/>
-          </p:blipFill>
-          <p:spPr>
-            <a:xfrm>
-              <a:off x="311150" y="5294033"/>
-              <a:ext cx="4099947" cy="98984"/>
-            </a:xfrm>
-            <a:prstGeom prst="rect">
-              <a:avLst/>
-            </a:prstGeom>
-          </p:spPr>
-        </p:pic>
-      </p:grpSp>
-      <p:pic>
-        <p:nvPicPr>
-          <p:cNvPr id="47" name="그림 46">
-            <a:extLst>
-              <a:ext uri="{FF2B5EF4-FFF2-40B4-BE49-F238E27FC236}">
-                <a16:creationId xmlns:a16="http://schemas.microsoft.com/office/drawing/2014/main" id="{DA47AF13-EF87-3A7F-BEF6-0288DB37A211}"/>
-              </a:ext>
-            </a:extLst>
-          </p:cNvPr>
-          <p:cNvPicPr>
-            <a:picLocks noChangeAspect="1"/>
-          </p:cNvPicPr>
-          <p:nvPr/>
-        </p:nvPicPr>
-        <p:blipFill>
-          <a:blip r:embed="rId10"/>
-          <a:stretch>
-            <a:fillRect/>
-          </a:stretch>
-        </p:blipFill>
-        <p:spPr>
-          <a:xfrm>
-            <a:off x="6756975" y="4751068"/>
-            <a:ext cx="4931415" cy="206813"/>
-          </a:xfrm>
-          <a:prstGeom prst="rect">
-            <a:avLst/>
-          </a:prstGeom>
-        </p:spPr>
-      </p:pic>
-      <p:sp>
-        <p:nvSpPr>
-          <p:cNvPr id="48" name="TextBox 47">
-            <a:extLst>
-              <a:ext uri="{FF2B5EF4-FFF2-40B4-BE49-F238E27FC236}">
-                <a16:creationId xmlns:a16="http://schemas.microsoft.com/office/drawing/2014/main" id="{5F77B0E7-DC94-1FE9-6224-3FD00C623D22}"/>
-              </a:ext>
-            </a:extLst>
-          </p:cNvPr>
-          <p:cNvSpPr txBox="1"/>
-          <p:nvPr/>
-        </p:nvSpPr>
-        <p:spPr>
-          <a:xfrm>
-            <a:off x="6604245" y="3171471"/>
-            <a:ext cx="2180081" cy="253211"/>
-          </a:xfrm>
-          <a:prstGeom prst="rect">
-            <a:avLst/>
-          </a:prstGeom>
-          <a:noFill/>
-        </p:spPr>
-        <p:txBody>
-          <a:bodyPr wrap="square" rtlCol="0">
-            <a:spAutoFit/>
-          </a:bodyPr>
-          <a:lstStyle/>
-          <a:p>
-            <a:pPr>
-              <a:lnSpc>
-                <a:spcPct val="150000"/>
-              </a:lnSpc>
-            </a:pPr>
-            <a:r>
-              <a:rPr lang="en-US" altLang="ko-KR" sz="800" dirty="0"/>
-              <a:t>Service</a:t>
-            </a:r>
-            <a:r>
-              <a:rPr lang="ko-KR" altLang="en-US" sz="800" dirty="0"/>
-              <a:t>를 중지</a:t>
-            </a:r>
-            <a:endParaRPr lang="en-US" altLang="ko-KR" sz="800" dirty="0"/>
-          </a:p>
-        </p:txBody>
-      </p:sp>
-      <p:sp>
-        <p:nvSpPr>
-          <p:cNvPr id="49" name="TextBox 48">
-            <a:extLst>
-              <a:ext uri="{FF2B5EF4-FFF2-40B4-BE49-F238E27FC236}">
-                <a16:creationId xmlns:a16="http://schemas.microsoft.com/office/drawing/2014/main" id="{B928C53E-54FC-9CEF-54D0-0D72A94D3476}"/>
-              </a:ext>
-            </a:extLst>
-          </p:cNvPr>
-          <p:cNvSpPr txBox="1"/>
-          <p:nvPr/>
-        </p:nvSpPr>
-        <p:spPr>
-          <a:xfrm>
-            <a:off x="6756975" y="4515402"/>
-            <a:ext cx="2180081" cy="253211"/>
-          </a:xfrm>
-          <a:prstGeom prst="rect">
-            <a:avLst/>
-          </a:prstGeom>
-          <a:noFill/>
-        </p:spPr>
-        <p:txBody>
-          <a:bodyPr wrap="square" rtlCol="0">
-            <a:spAutoFit/>
-          </a:bodyPr>
-          <a:lstStyle/>
-          <a:p>
-            <a:pPr>
-              <a:lnSpc>
-                <a:spcPct val="150000"/>
-              </a:lnSpc>
-            </a:pPr>
-            <a:r>
-              <a:rPr lang="en-US" altLang="ko-KR" sz="800" dirty="0"/>
-              <a:t>Stop</a:t>
-            </a:r>
-          </a:p>
-        </p:txBody>
-      </p:sp>
-      <p:sp>
-        <p:nvSpPr>
-          <p:cNvPr id="50" name="직사각형 49">
-            <a:extLst>
-              <a:ext uri="{FF2B5EF4-FFF2-40B4-BE49-F238E27FC236}">
-                <a16:creationId xmlns:a16="http://schemas.microsoft.com/office/drawing/2014/main" id="{2AF87617-5ED1-3935-378F-18F74A5C5E94}"/>
-              </a:ext>
-            </a:extLst>
-          </p:cNvPr>
-          <p:cNvSpPr/>
-          <p:nvPr/>
-        </p:nvSpPr>
-        <p:spPr>
-          <a:xfrm>
-            <a:off x="3417941" y="6104529"/>
-            <a:ext cx="2947217" cy="508000"/>
-          </a:xfrm>
-          <a:prstGeom prst="rect">
-            <a:avLst/>
-          </a:prstGeom>
-          <a:noFill/>
-          <a:ln w="9525">
-            <a:solidFill>
-              <a:srgbClr val="FF0000"/>
-            </a:solidFill>
-          </a:ln>
-        </p:spPr>
-        <p:style>
-          <a:lnRef idx="2">
-            <a:schemeClr val="accent1">
-              <a:shade val="15000"/>
-            </a:schemeClr>
-          </a:lnRef>
-          <a:fillRef idx="1">
-            <a:schemeClr val="accent1"/>
-          </a:fillRef>
-          <a:effectRef idx="0">
-            <a:schemeClr val="accent1"/>
-          </a:effectRef>
-          <a:fontRef idx="minor">
-            <a:schemeClr val="lt1"/>
-          </a:fontRef>
-        </p:style>
-        <p:txBody>
-          <a:bodyPr rtlCol="0" anchor="ctr"/>
-          <a:lstStyle/>
-          <a:p>
-            <a:pPr algn="ctr"/>
-            <a:endParaRPr lang="ko-KR" altLang="en-US"/>
-          </a:p>
-        </p:txBody>
-      </p:sp>
-      <p:cxnSp>
-        <p:nvCxnSpPr>
-          <p:cNvPr id="52" name="연결선: 꺾임 51">
-            <a:extLst>
-              <a:ext uri="{FF2B5EF4-FFF2-40B4-BE49-F238E27FC236}">
-                <a16:creationId xmlns:a16="http://schemas.microsoft.com/office/drawing/2014/main" id="{1F26817B-C6AA-1961-8283-4E753FDE2A16}"/>
-              </a:ext>
-            </a:extLst>
-          </p:cNvPr>
-          <p:cNvCxnSpPr>
-            <a:cxnSpLocks/>
-            <a:endCxn id="40" idx="1"/>
-          </p:cNvCxnSpPr>
-          <p:nvPr/>
-        </p:nvCxnSpPr>
-        <p:spPr>
-          <a:xfrm rot="5400000">
-            <a:off x="2617476" y="3805106"/>
-            <a:ext cx="1959590" cy="345960"/>
-          </a:xfrm>
-          <a:prstGeom prst="bentConnector4">
-            <a:avLst>
-              <a:gd name="adj1" fmla="val 170"/>
-              <a:gd name="adj2" fmla="val 161488"/>
-            </a:avLst>
-          </a:prstGeom>
-          <a:ln w="12700">
-            <a:solidFill>
-              <a:srgbClr val="FF0000"/>
-            </a:solidFill>
-            <a:tailEnd type="triangle"/>
-          </a:ln>
-        </p:spPr>
-        <p:style>
-          <a:lnRef idx="2">
-            <a:schemeClr val="accent1"/>
-          </a:lnRef>
-          <a:fillRef idx="0">
-            <a:schemeClr val="accent1"/>
-          </a:fillRef>
-          <a:effectRef idx="1">
-            <a:schemeClr val="accent1"/>
-          </a:effectRef>
-          <a:fontRef idx="minor">
-            <a:schemeClr val="tx1"/>
-          </a:fontRef>
-        </p:style>
-      </p:cxnSp>
-      <p:cxnSp>
-        <p:nvCxnSpPr>
-          <p:cNvPr id="13" name="연결선: 꺾임 12">
-            <a:extLst>
-              <a:ext uri="{FF2B5EF4-FFF2-40B4-BE49-F238E27FC236}">
-                <a16:creationId xmlns:a16="http://schemas.microsoft.com/office/drawing/2014/main" id="{586C5472-E1CB-1CB8-A643-7C00393F9125}"/>
-              </a:ext>
-            </a:extLst>
-          </p:cNvPr>
-          <p:cNvCxnSpPr>
-            <a:cxnSpLocks/>
-            <a:endCxn id="23" idx="1"/>
-          </p:cNvCxnSpPr>
-          <p:nvPr/>
-        </p:nvCxnSpPr>
-        <p:spPr>
-          <a:xfrm rot="5400000">
-            <a:off x="2374134" y="4364973"/>
-            <a:ext cx="2416044" cy="328430"/>
-          </a:xfrm>
-          <a:prstGeom prst="bentConnector4">
-            <a:avLst>
-              <a:gd name="adj1" fmla="val 339"/>
-              <a:gd name="adj2" fmla="val 221807"/>
-            </a:avLst>
-          </a:prstGeom>
-          <a:ln w="12700">
-            <a:solidFill>
-              <a:srgbClr val="00FFFF"/>
-            </a:solidFill>
-            <a:tailEnd type="triangle"/>
-          </a:ln>
-        </p:spPr>
-        <p:style>
-          <a:lnRef idx="2">
-            <a:schemeClr val="accent1"/>
-          </a:lnRef>
-          <a:fillRef idx="0">
-            <a:schemeClr val="accent1"/>
-          </a:fillRef>
-          <a:effectRef idx="1">
-            <a:schemeClr val="accent1"/>
-          </a:effectRef>
-          <a:fontRef idx="minor">
-            <a:schemeClr val="tx1"/>
-          </a:fontRef>
-        </p:style>
-      </p:cxnSp>
-      <p:cxnSp>
-        <p:nvCxnSpPr>
-          <p:cNvPr id="14" name="연결선: 꺾임 13">
-            <a:extLst>
-              <a:ext uri="{FF2B5EF4-FFF2-40B4-BE49-F238E27FC236}">
-                <a16:creationId xmlns:a16="http://schemas.microsoft.com/office/drawing/2014/main" id="{DDCFFE68-8110-B4FB-82EC-614098E298AD}"/>
-              </a:ext>
-            </a:extLst>
-          </p:cNvPr>
-          <p:cNvCxnSpPr>
-            <a:cxnSpLocks/>
-            <a:stCxn id="55" idx="1"/>
-            <a:endCxn id="50" idx="1"/>
-          </p:cNvCxnSpPr>
-          <p:nvPr/>
-        </p:nvCxnSpPr>
-        <p:spPr>
-          <a:xfrm rot="10800000" flipV="1">
-            <a:off x="3417941" y="5221831"/>
-            <a:ext cx="6350" cy="1136697"/>
-          </a:xfrm>
-          <a:prstGeom prst="bentConnector3">
-            <a:avLst>
-              <a:gd name="adj1" fmla="val 3700000"/>
-            </a:avLst>
-          </a:prstGeom>
-          <a:ln w="12700">
-            <a:solidFill>
-              <a:srgbClr val="FF0000"/>
-            </a:solidFill>
-            <a:tailEnd type="triangle"/>
-          </a:ln>
-        </p:spPr>
-        <p:style>
-          <a:lnRef idx="2">
-            <a:schemeClr val="accent1"/>
-          </a:lnRef>
-          <a:fillRef idx="0">
-            <a:schemeClr val="accent1"/>
-          </a:fillRef>
-          <a:effectRef idx="1">
-            <a:schemeClr val="accent1"/>
-          </a:effectRef>
-          <a:fontRef idx="minor">
-            <a:schemeClr val="tx1"/>
-          </a:fontRef>
-        </p:style>
-      </p:cxnSp>
-      <p:sp>
-        <p:nvSpPr>
-          <p:cNvPr id="40" name="직사각형 39">
-            <a:extLst>
-              <a:ext uri="{FF2B5EF4-FFF2-40B4-BE49-F238E27FC236}">
-                <a16:creationId xmlns:a16="http://schemas.microsoft.com/office/drawing/2014/main" id="{88C871BB-A6D4-C75C-76BD-96BE52640073}"/>
-              </a:ext>
-            </a:extLst>
-          </p:cNvPr>
-          <p:cNvSpPr/>
-          <p:nvPr/>
-        </p:nvSpPr>
-        <p:spPr>
-          <a:xfrm>
-            <a:off x="3424291" y="4890901"/>
-            <a:ext cx="673381" cy="133960"/>
-          </a:xfrm>
-          <a:prstGeom prst="rect">
-            <a:avLst/>
-          </a:prstGeom>
-          <a:noFill/>
-          <a:ln>
-            <a:noFill/>
-          </a:ln>
-        </p:spPr>
-        <p:style>
-          <a:lnRef idx="2">
-            <a:schemeClr val="accent1">
-              <a:shade val="15000"/>
-            </a:schemeClr>
-          </a:lnRef>
-          <a:fillRef idx="1">
-            <a:schemeClr val="accent1"/>
-          </a:fillRef>
-          <a:effectRef idx="0">
-            <a:schemeClr val="accent1"/>
-          </a:effectRef>
-          <a:fontRef idx="minor">
-            <a:schemeClr val="lt1"/>
-          </a:fontRef>
-        </p:style>
-        <p:txBody>
-          <a:bodyPr rtlCol="0" anchor="ctr"/>
-          <a:lstStyle/>
-          <a:p>
-            <a:pPr algn="ctr"/>
-            <a:endParaRPr lang="ko-KR" altLang="en-US"/>
-          </a:p>
-        </p:txBody>
-      </p:sp>
-      <p:sp>
-        <p:nvSpPr>
-          <p:cNvPr id="55" name="직사각형 54">
-            <a:extLst>
-              <a:ext uri="{FF2B5EF4-FFF2-40B4-BE49-F238E27FC236}">
-                <a16:creationId xmlns:a16="http://schemas.microsoft.com/office/drawing/2014/main" id="{943BA446-0CD8-E05D-5850-5770090FCDBC}"/>
-              </a:ext>
-            </a:extLst>
-          </p:cNvPr>
-          <p:cNvSpPr/>
-          <p:nvPr/>
-        </p:nvSpPr>
-        <p:spPr>
-          <a:xfrm>
-            <a:off x="3424291" y="5154852"/>
-            <a:ext cx="673381" cy="133960"/>
-          </a:xfrm>
-          <a:prstGeom prst="rect">
-            <a:avLst/>
-          </a:prstGeom>
-          <a:noFill/>
-          <a:ln>
-            <a:noFill/>
-          </a:ln>
-        </p:spPr>
-        <p:style>
-          <a:lnRef idx="2">
-            <a:schemeClr val="accent1">
-              <a:shade val="15000"/>
-            </a:schemeClr>
-          </a:lnRef>
-          <a:fillRef idx="1">
-            <a:schemeClr val="accent1"/>
-          </a:fillRef>
-          <a:effectRef idx="0">
-            <a:schemeClr val="accent1"/>
-          </a:effectRef>
-          <a:fontRef idx="minor">
-            <a:schemeClr val="lt1"/>
-          </a:fontRef>
-        </p:style>
-        <p:txBody>
-          <a:bodyPr rtlCol="0" anchor="ctr"/>
-          <a:lstStyle/>
-          <a:p>
-            <a:pPr algn="ctr"/>
-            <a:endParaRPr lang="ko-KR" altLang="en-US"/>
+            <a:pPr algn="r"/>
+            <a:r>
+              <a:rPr lang="en-US" altLang="ko-KR" sz="1200" dirty="0"/>
+              <a:t>Ch11</a:t>
+            </a:r>
+            <a:endParaRPr lang="ko-KR" altLang="en-US" sz="1200" dirty="0"/>
           </a:p>
         </p:txBody>
       </p:sp>
@@ -7141,7 +6415,7 @@
 </p:sld>
 </file>
 
-<file path=ppt/slides/slide6.xml><?xml version="1.0" encoding="utf-8"?>
+<file path=ppt/slides/slide8.xml><?xml version="1.0" encoding="utf-8"?>
 <p:sld xmlns:a="http://schemas.openxmlformats.org/drawingml/2006/main" xmlns:r="http://schemas.openxmlformats.org/officeDocument/2006/relationships" xmlns:p="http://schemas.openxmlformats.org/presentationml/2006/main">
   <p:cSld>
     <p:spTree>
